--- a/Quizzes/DwC Quiz.pptx
+++ b/Quizzes/DwC Quiz.pptx
@@ -31,7 +31,7 @@
   <p:notesSz cx="6858000" cy="9144000"/>
   <p:embeddedFontLst>
     <p:embeddedFont>
-      <p:font typeface="Montserrat" panose="020B0604020202020204" charset="0"/>
+      <p:font typeface="Montserrat" panose="00000500000000000000" pitchFamily="2" charset="0"/>
       <p:regular r:id="rId21"/>
       <p:bold r:id="rId22"/>
       <p:italic r:id="rId23"/>
@@ -3452,7 +3452,7 @@
             </a:pPr>
             <a:fld id="{00000000-1234-1234-1234-123412341234}" type="slidenum">
               <a:rPr lang="en"/>
-              <a:t>‹#›</a:t>
+              <a:t>‹N°›</a:t>
             </a:fld>
             <a:endParaRPr/>
           </a:p>
@@ -3816,7 +3816,7 @@
             </a:pPr>
             <a:fld id="{00000000-1234-1234-1234-123412341234}" type="slidenum">
               <a:rPr lang="en"/>
-              <a:t>‹#›</a:t>
+              <a:t>‹N°›</a:t>
             </a:fld>
             <a:endParaRPr/>
           </a:p>
@@ -3920,7 +3920,7 @@
             </a:pPr>
             <a:fld id="{00000000-1234-1234-1234-123412341234}" type="slidenum">
               <a:rPr lang="en"/>
-              <a:t>‹#›</a:t>
+              <a:t>‹N°›</a:t>
             </a:fld>
             <a:endParaRPr/>
           </a:p>
@@ -4647,7 +4647,7 @@
             </a:pPr>
             <a:fld id="{00000000-1234-1234-1234-123412341234}" type="slidenum">
               <a:rPr lang="en"/>
-              <a:t>‹#›</a:t>
+              <a:t>‹N°›</a:t>
             </a:fld>
             <a:endParaRPr/>
           </a:p>
@@ -4880,7 +4880,7 @@
             </a:pPr>
             <a:fld id="{00000000-1234-1234-1234-123412341234}" type="slidenum">
               <a:rPr lang="en"/>
-              <a:t>‹#›</a:t>
+              <a:t>‹N°›</a:t>
             </a:fld>
             <a:endParaRPr/>
           </a:p>
@@ -5242,7 +5242,7 @@
             </a:pPr>
             <a:fld id="{00000000-1234-1234-1234-123412341234}" type="slidenum">
               <a:rPr lang="en"/>
-              <a:t>‹#›</a:t>
+              <a:t>‹N°›</a:t>
             </a:fld>
             <a:endParaRPr/>
           </a:p>
@@ -5733,7 +5733,7 @@
             </a:pPr>
             <a:fld id="{00000000-1234-1234-1234-123412341234}" type="slidenum">
               <a:rPr lang="en"/>
-              <a:t>‹#›</a:t>
+              <a:t>‹N°›</a:t>
             </a:fld>
             <a:endParaRPr/>
           </a:p>
@@ -5966,7 +5966,7 @@
             </a:pPr>
             <a:fld id="{00000000-1234-1234-1234-123412341234}" type="slidenum">
               <a:rPr lang="en"/>
-              <a:t>‹#›</a:t>
+              <a:t>‹N°›</a:t>
             </a:fld>
             <a:endParaRPr/>
           </a:p>
@@ -6328,7 +6328,7 @@
             </a:pPr>
             <a:fld id="{00000000-1234-1234-1234-123412341234}" type="slidenum">
               <a:rPr lang="en"/>
-              <a:t>‹#›</a:t>
+              <a:t>‹N°›</a:t>
             </a:fld>
             <a:endParaRPr/>
           </a:p>
@@ -6561,7 +6561,7 @@
             </a:pPr>
             <a:fld id="{00000000-1234-1234-1234-123412341234}" type="slidenum">
               <a:rPr lang="en"/>
-              <a:t>‹#›</a:t>
+              <a:t>‹N°›</a:t>
             </a:fld>
             <a:endParaRPr/>
           </a:p>
@@ -7119,7 +7119,7 @@
             </a:pPr>
             <a:fld id="{00000000-1234-1234-1234-123412341234}" type="slidenum">
               <a:rPr lang="en"/>
-              <a:t>‹#›</a:t>
+              <a:t>‹N°›</a:t>
             </a:fld>
             <a:endParaRPr/>
           </a:p>
@@ -7267,7 +7267,7 @@
             </a:pPr>
             <a:fld id="{00000000-1234-1234-1234-123412341234}" type="slidenum">
               <a:rPr lang="en"/>
-              <a:t>‹#›</a:t>
+              <a:t>‹N°›</a:t>
             </a:fld>
             <a:endParaRPr/>
           </a:p>
@@ -7838,7 +7838,7 @@
             </a:pPr>
             <a:fld id="{00000000-1234-1234-1234-123412341234}" type="slidenum">
               <a:rPr lang="en"/>
-              <a:t>‹#›</a:t>
+              <a:t>‹N°›</a:t>
             </a:fld>
             <a:endParaRPr/>
           </a:p>
@@ -8606,10 +8606,10 @@
               <a:buNone/>
             </a:pPr>
             <a:r>
-              <a:rPr lang="en"/>
+              <a:rPr lang="en" dirty="0"/>
               <a:t>Darwin Core </a:t>
             </a:r>
-            <a:endParaRPr/>
+            <a:endParaRPr dirty="0"/>
           </a:p>
         </p:txBody>
       </p:sp>
@@ -8648,10 +8648,10 @@
               <a:buNone/>
             </a:pPr>
             <a:r>
-              <a:rPr lang="en"/>
+              <a:rPr lang="en" dirty="0"/>
               <a:t>Quiz (17 Questions)</a:t>
             </a:r>
-            <a:endParaRPr/>
+            <a:endParaRPr dirty="0"/>
           </a:p>
         </p:txBody>
       </p:sp>
@@ -9044,18 +9044,45 @@
               <a:buNone/>
             </a:pPr>
             <a:r>
-              <a:rPr lang="en">
-                <a:solidFill>
-                  <a:schemeClr val="dk1"/>
-                </a:solidFill>
-              </a:rPr>
-              <a:t>Coordinates should be recorded in decimal formats. Which is the correct conversion</a:t>
-            </a:r>
-            <a:endParaRPr>
-              <a:solidFill>
-                <a:schemeClr val="dk1"/>
-              </a:solidFill>
-            </a:endParaRPr>
+              <a:rPr lang="fr-CA" dirty="0">
+                <a:solidFill>
+                  <a:schemeClr val="dk1"/>
+                </a:solidFill>
+              </a:rPr>
+              <a:t>Les coordonnées doivent être enregistrées dans des formats décimaux. Quelle est la conversion correcte de 18°30’25”N - 5°15’E en </a:t>
+            </a:r>
+            <a:r>
+              <a:rPr lang="fr-CA" dirty="0" err="1">
+                <a:solidFill>
+                  <a:schemeClr val="dk1"/>
+                </a:solidFill>
+              </a:rPr>
+              <a:t>decimalLongitude</a:t>
+            </a:r>
+            <a:r>
+              <a:rPr lang="fr-CA" dirty="0">
+                <a:solidFill>
+                  <a:schemeClr val="dk1"/>
+                </a:solidFill>
+              </a:rPr>
+              <a:t>, </a:t>
+            </a:r>
+            <a:r>
+              <a:rPr lang="fr-CA" dirty="0" err="1">
+                <a:solidFill>
+                  <a:schemeClr val="dk1"/>
+                </a:solidFill>
+              </a:rPr>
+              <a:t>decimalLatitude</a:t>
+            </a:r>
+            <a:r>
+              <a:rPr lang="fr-CA" dirty="0">
+                <a:solidFill>
+                  <a:schemeClr val="dk1"/>
+                </a:solidFill>
+              </a:rPr>
+              <a:t>? </a:t>
+            </a:r>
           </a:p>
           <a:p>
             <a:pPr marL="285750" marR="0" lvl="0" indent="-171450" algn="l" rtl="0">
@@ -9076,14 +9103,14 @@
               <a:buNone/>
             </a:pPr>
             <a:r>
-              <a:rPr lang="en">
-                <a:solidFill>
-                  <a:schemeClr val="dk1"/>
-                </a:solidFill>
-              </a:rPr>
-              <a:t>of 18°30’25”N – 5°15’E as decimalLongitude, decimalLatitude?</a:t>
-            </a:r>
-            <a:endParaRPr>
+              <a:rPr lang="fr-CA" dirty="0">
+                <a:solidFill>
+                  <a:schemeClr val="dk1"/>
+                </a:solidFill>
+              </a:rPr>
+              <a:t>Choisir une réponse :</a:t>
+            </a:r>
+            <a:endParaRPr dirty="0">
               <a:solidFill>
                 <a:schemeClr val="dk1"/>
               </a:solidFill>
@@ -9108,14 +9135,14 @@
               <a:buNone/>
             </a:pPr>
             <a:r>
-              <a:rPr lang="en">
-                <a:solidFill>
-                  <a:schemeClr val="dk1"/>
-                </a:solidFill>
-              </a:rPr>
-              <a:t>Select one:</a:t>
-            </a:r>
-            <a:endParaRPr>
+              <a:rPr lang="en" dirty="0">
+                <a:solidFill>
+                  <a:schemeClr val="dk1"/>
+                </a:solidFill>
+              </a:rPr>
+              <a:t>a. 18.50694, -5.25000</a:t>
+            </a:r>
+            <a:endParaRPr dirty="0">
               <a:solidFill>
                 <a:schemeClr val="dk1"/>
               </a:solidFill>
@@ -9140,14 +9167,14 @@
               <a:buNone/>
             </a:pPr>
             <a:r>
-              <a:rPr lang="en">
-                <a:solidFill>
-                  <a:schemeClr val="dk1"/>
-                </a:solidFill>
-              </a:rPr>
-              <a:t>a. 18.50694, -5.25000</a:t>
-            </a:r>
-            <a:endParaRPr>
+              <a:rPr lang="en" dirty="0">
+                <a:solidFill>
+                  <a:schemeClr val="dk1"/>
+                </a:solidFill>
+              </a:rPr>
+              <a:t>b. 18.50694, 5.25000</a:t>
+            </a:r>
+            <a:endParaRPr dirty="0">
               <a:solidFill>
                 <a:schemeClr val="dk1"/>
               </a:solidFill>
@@ -9172,14 +9199,14 @@
               <a:buNone/>
             </a:pPr>
             <a:r>
-              <a:rPr lang="en">
-                <a:solidFill>
-                  <a:schemeClr val="dk1"/>
-                </a:solidFill>
-              </a:rPr>
-              <a:t>b. 18.50694, 5.25000</a:t>
-            </a:r>
-            <a:endParaRPr>
+              <a:rPr lang="en" dirty="0">
+                <a:solidFill>
+                  <a:schemeClr val="dk1"/>
+                </a:solidFill>
+              </a:rPr>
+              <a:t>c. 18.30250, 5.15000</a:t>
+            </a:r>
+            <a:endParaRPr dirty="0">
               <a:solidFill>
                 <a:schemeClr val="dk1"/>
               </a:solidFill>
@@ -9204,14 +9231,14 @@
               <a:buNone/>
             </a:pPr>
             <a:r>
-              <a:rPr lang="en">
-                <a:solidFill>
-                  <a:schemeClr val="dk1"/>
-                </a:solidFill>
-              </a:rPr>
-              <a:t>c. 18.30250, 5.15000</a:t>
-            </a:r>
-            <a:endParaRPr>
+              <a:rPr lang="en" dirty="0">
+                <a:solidFill>
+                  <a:schemeClr val="dk1"/>
+                </a:solidFill>
+              </a:rPr>
+              <a:t>d. 18.30250, -5.15000</a:t>
+            </a:r>
+            <a:endParaRPr dirty="0">
               <a:solidFill>
                 <a:schemeClr val="dk1"/>
               </a:solidFill>
@@ -9236,14 +9263,14 @@
               <a:buNone/>
             </a:pPr>
             <a:r>
-              <a:rPr lang="en">
-                <a:solidFill>
-                  <a:schemeClr val="dk1"/>
-                </a:solidFill>
-              </a:rPr>
-              <a:t>d. 18.30250, -5.15000</a:t>
-            </a:r>
-            <a:endParaRPr>
+              <a:rPr lang="en" dirty="0">
+                <a:solidFill>
+                  <a:schemeClr val="dk1"/>
+                </a:solidFill>
+              </a:rPr>
+              <a:t>e. 18,50694, 5,25000</a:t>
+            </a:r>
+            <a:endParaRPr dirty="0">
               <a:solidFill>
                 <a:schemeClr val="dk1"/>
               </a:solidFill>
@@ -9268,46 +9295,14 @@
               <a:buNone/>
             </a:pPr>
             <a:r>
-              <a:rPr lang="en">
-                <a:solidFill>
-                  <a:schemeClr val="dk1"/>
-                </a:solidFill>
-              </a:rPr>
-              <a:t>e. 18,50694, 5,25000</a:t>
-            </a:r>
-            <a:endParaRPr>
-              <a:solidFill>
-                <a:schemeClr val="dk1"/>
-              </a:solidFill>
-            </a:endParaRPr>
-          </a:p>
-          <a:p>
-            <a:pPr marL="285750" marR="0" lvl="0" indent="-171450" algn="l" rtl="0">
-              <a:lnSpc>
-                <a:spcPct val="150000"/>
-              </a:lnSpc>
-              <a:spcBef>
-                <a:spcPts val="0"/>
-              </a:spcBef>
-              <a:spcAft>
-                <a:spcPts val="0"/>
-              </a:spcAft>
-              <a:buClr>
-                <a:schemeClr val="dk1"/>
-              </a:buClr>
-              <a:buSzPts val="1100"/>
-              <a:buFont typeface="Arial"/>
-              <a:buNone/>
-            </a:pPr>
-            <a:r>
-              <a:rPr lang="en">
+              <a:rPr lang="en" dirty="0">
                 <a:solidFill>
                   <a:schemeClr val="dk1"/>
                 </a:solidFill>
               </a:rPr>
               <a:t>f. 5.25000, 18.50694 </a:t>
             </a:r>
-            <a:endParaRPr>
+            <a:endParaRPr dirty="0">
               <a:solidFill>
                 <a:schemeClr val="dk1"/>
               </a:solidFill>
@@ -9704,18 +9699,13 @@
               <a:buNone/>
             </a:pPr>
             <a:r>
-              <a:rPr lang="en">
-                <a:solidFill>
-                  <a:schemeClr val="dk1"/>
-                </a:solidFill>
-              </a:rPr>
-              <a:t>A dataset contains sensitive data (like abundance of a commercial valuable species or an</a:t>
-            </a:r>
-            <a:endParaRPr>
-              <a:solidFill>
-                <a:schemeClr val="dk1"/>
-              </a:solidFill>
-            </a:endParaRPr>
+              <a:rPr lang="fr-CA" dirty="0">
+                <a:solidFill>
+                  <a:schemeClr val="dk1"/>
+                </a:solidFill>
+              </a:rPr>
+              <a:t>Un ensemble de données contient des données sensibles (comme l'abondance d'une espèce commerciale précieuse ou d'une espèce en voie de disparition) et vous n'êtes pas autorisé à rendre ces emplacements publics. Que devriez vous faire? </a:t>
+            </a:r>
           </a:p>
           <a:p>
             <a:pPr marL="285750" marR="0" lvl="0" indent="-171450" algn="l" rtl="0">
@@ -9736,14 +9726,14 @@
               <a:buNone/>
             </a:pPr>
             <a:r>
-              <a:rPr lang="en">
-                <a:solidFill>
-                  <a:schemeClr val="dk1"/>
-                </a:solidFill>
-              </a:rPr>
-              <a:t>endangered species) and you are not allowed to make these locations public. What</a:t>
-            </a:r>
-            <a:endParaRPr>
+              <a:rPr lang="en" dirty="0">
+                <a:solidFill>
+                  <a:schemeClr val="dk1"/>
+                </a:solidFill>
+              </a:rPr>
+              <a:t>Choisir une réponse :</a:t>
+            </a:r>
+            <a:endParaRPr dirty="0">
               <a:solidFill>
                 <a:schemeClr val="dk1"/>
               </a:solidFill>
@@ -9768,14 +9758,30 @@
               <a:buNone/>
             </a:pPr>
             <a:r>
-              <a:rPr lang="en">
-                <a:solidFill>
-                  <a:schemeClr val="dk1"/>
-                </a:solidFill>
-              </a:rPr>
-              <a:t>should you do?</a:t>
-            </a:r>
-            <a:endParaRPr>
+              <a:rPr lang="en" dirty="0">
+                <a:solidFill>
+                  <a:schemeClr val="dk1"/>
+                </a:solidFill>
+              </a:rPr>
+              <a:t>a. </a:t>
+            </a:r>
+            <a:r>
+              <a:rPr lang="fr-CA" dirty="0">
+                <a:solidFill>
+                  <a:schemeClr val="dk1"/>
+                </a:solidFill>
+              </a:rPr>
+              <a:t>Vous pouvez les convaincre de publier les données sans abondance</a:t>
+            </a:r>
+            <a:r>
+              <a:rPr lang="en" dirty="0">
+                <a:solidFill>
+                  <a:schemeClr val="dk1"/>
+                </a:solidFill>
+              </a:rPr>
+              <a:t>.</a:t>
+            </a:r>
+            <a:endParaRPr dirty="0">
               <a:solidFill>
                 <a:schemeClr val="dk1"/>
               </a:solidFill>
@@ -9800,18 +9806,53 @@
               <a:buNone/>
             </a:pPr>
             <a:r>
-              <a:rPr lang="en">
-                <a:solidFill>
-                  <a:schemeClr val="dk1"/>
-                </a:solidFill>
-              </a:rPr>
-              <a:t>Select one:</a:t>
-            </a:r>
-            <a:endParaRPr>
-              <a:solidFill>
-                <a:schemeClr val="dk1"/>
-              </a:solidFill>
-            </a:endParaRPr>
+              <a:rPr lang="en" dirty="0">
+                <a:solidFill>
+                  <a:schemeClr val="dk1"/>
+                </a:solidFill>
+              </a:rPr>
+              <a:t>b. </a:t>
+            </a:r>
+            <a:r>
+              <a:rPr lang="fr-CA" dirty="0">
+                <a:solidFill>
+                  <a:schemeClr val="dk1"/>
+                </a:solidFill>
+              </a:rPr>
+              <a:t>Vous n'avez pas à fournir les emplacements exacts, vous pouvez prendre le centre d'une cellule de la grille (comme 1x1 degrés) et mentionner que la position est convertie au centre d'une cellule, vous pouvez donner cette information dans la colonne </a:t>
+            </a:r>
+            <a:r>
+              <a:rPr lang="fr-CA" dirty="0" err="1">
+                <a:solidFill>
+                  <a:schemeClr val="dk1"/>
+                </a:solidFill>
+              </a:rPr>
+              <a:t>DwC</a:t>
+            </a:r>
+            <a:r>
+              <a:rPr lang="fr-CA" dirty="0">
+                <a:solidFill>
+                  <a:schemeClr val="dk1"/>
+                </a:solidFill>
+              </a:rPr>
+              <a:t>: </a:t>
+            </a:r>
+            <a:r>
+              <a:rPr lang="fr-CA" dirty="0" err="1">
+                <a:solidFill>
+                  <a:schemeClr val="dk1"/>
+                </a:solidFill>
+              </a:rPr>
+              <a:t>dataGeneralizations</a:t>
+            </a:r>
+            <a:r>
+              <a:rPr lang="fr-CA" dirty="0">
+                <a:solidFill>
+                  <a:schemeClr val="dk1"/>
+                </a:solidFill>
+              </a:rPr>
+              <a:t>. </a:t>
+            </a:r>
           </a:p>
           <a:p>
             <a:pPr marL="285750" marR="0" lvl="0" indent="-171450" algn="l" rtl="0">
@@ -9832,18 +9873,21 @@
               <a:buNone/>
             </a:pPr>
             <a:r>
-              <a:rPr lang="en">
-                <a:solidFill>
-                  <a:schemeClr val="dk1"/>
-                </a:solidFill>
-              </a:rPr>
-              <a:t>a. You may convince them to publish the data without abundance.</a:t>
-            </a:r>
-            <a:endParaRPr>
-              <a:solidFill>
-                <a:schemeClr val="dk1"/>
-              </a:solidFill>
-            </a:endParaRPr>
+              <a:rPr lang="en" dirty="0">
+                <a:solidFill>
+                  <a:schemeClr val="dk1"/>
+                </a:solidFill>
+              </a:rPr>
+              <a:t>c. </a:t>
+            </a:r>
+            <a:r>
+              <a:rPr lang="fr-CA" dirty="0">
+                <a:solidFill>
+                  <a:schemeClr val="dk1"/>
+                </a:solidFill>
+              </a:rPr>
+              <a:t>Demandez si les données peuvent être publiées quand elles auront plus de 5 ans. </a:t>
+            </a:r>
           </a:p>
           <a:p>
             <a:pPr marL="285750" marR="0" lvl="0" indent="-171450" algn="l" rtl="0">
@@ -9864,142 +9908,22 @@
               <a:buNone/>
             </a:pPr>
             <a:r>
-              <a:rPr lang="en">
-                <a:solidFill>
-                  <a:schemeClr val="dk1"/>
-                </a:solidFill>
-              </a:rPr>
-              <a:t>b. You do not have to provide the exact locations, you can take the center of a</a:t>
-            </a:r>
-            <a:endParaRPr>
-              <a:solidFill>
-                <a:schemeClr val="dk1"/>
-              </a:solidFill>
-            </a:endParaRPr>
-          </a:p>
-          <a:p>
-            <a:pPr marL="285750" marR="0" lvl="0" indent="-171450" algn="l" rtl="0">
-              <a:lnSpc>
-                <a:spcPct val="150000"/>
-              </a:lnSpc>
-              <a:spcBef>
-                <a:spcPts val="0"/>
-              </a:spcBef>
-              <a:spcAft>
-                <a:spcPts val="0"/>
-              </a:spcAft>
-              <a:buClr>
-                <a:schemeClr val="dk1"/>
-              </a:buClr>
-              <a:buSzPts val="1100"/>
-              <a:buFont typeface="Arial"/>
-              <a:buNone/>
-            </a:pPr>
-            <a:r>
-              <a:rPr lang="en">
-                <a:solidFill>
-                  <a:schemeClr val="dk1"/>
-                </a:solidFill>
-              </a:rPr>
-              <a:t>grid cell (like 1x1 degrees), and mention the position is converted to the center of</a:t>
-            </a:r>
-            <a:endParaRPr>
-              <a:solidFill>
-                <a:schemeClr val="dk1"/>
-              </a:solidFill>
-            </a:endParaRPr>
-          </a:p>
-          <a:p>
-            <a:pPr marL="285750" marR="0" lvl="0" indent="-171450" algn="l" rtl="0">
-              <a:lnSpc>
-                <a:spcPct val="150000"/>
-              </a:lnSpc>
-              <a:spcBef>
-                <a:spcPts val="0"/>
-              </a:spcBef>
-              <a:spcAft>
-                <a:spcPts val="0"/>
-              </a:spcAft>
-              <a:buClr>
-                <a:schemeClr val="dk1"/>
-              </a:buClr>
-              <a:buSzPts val="1100"/>
-              <a:buFont typeface="Arial"/>
-              <a:buNone/>
-            </a:pPr>
-            <a:r>
-              <a:rPr lang="en">
-                <a:solidFill>
-                  <a:schemeClr val="dk1"/>
-                </a:solidFill>
-              </a:rPr>
-              <a:t>a grid cell in DwC:dataGeneralizations. </a:t>
-            </a:r>
-            <a:endParaRPr>
-              <a:solidFill>
-                <a:schemeClr val="dk1"/>
-              </a:solidFill>
-            </a:endParaRPr>
-          </a:p>
-          <a:p>
-            <a:pPr marL="285750" marR="0" lvl="0" indent="-171450" algn="l" rtl="0">
-              <a:lnSpc>
-                <a:spcPct val="150000"/>
-              </a:lnSpc>
-              <a:spcBef>
-                <a:spcPts val="0"/>
-              </a:spcBef>
-              <a:spcAft>
-                <a:spcPts val="0"/>
-              </a:spcAft>
-              <a:buClr>
-                <a:schemeClr val="dk1"/>
-              </a:buClr>
-              <a:buSzPts val="1100"/>
-              <a:buFont typeface="Arial"/>
-              <a:buNone/>
-            </a:pPr>
-            <a:r>
-              <a:rPr lang="en">
-                <a:solidFill>
-                  <a:schemeClr val="dk1"/>
-                </a:solidFill>
-              </a:rPr>
-              <a:t>c. Ask if the data can be released when they are more than 5 years old.</a:t>
-            </a:r>
-            <a:endParaRPr>
-              <a:solidFill>
-                <a:schemeClr val="dk1"/>
-              </a:solidFill>
-            </a:endParaRPr>
-          </a:p>
-          <a:p>
-            <a:pPr marL="285750" marR="0" lvl="0" indent="-171450" algn="l" rtl="0">
-              <a:lnSpc>
-                <a:spcPct val="150000"/>
-              </a:lnSpc>
-              <a:spcBef>
-                <a:spcPts val="0"/>
-              </a:spcBef>
-              <a:spcAft>
-                <a:spcPts val="0"/>
-              </a:spcAft>
-              <a:buClr>
-                <a:schemeClr val="dk1"/>
-              </a:buClr>
-              <a:buSzPts val="1100"/>
-              <a:buFont typeface="Arial"/>
-              <a:buNone/>
-            </a:pPr>
-            <a:r>
-              <a:rPr lang="en">
-                <a:solidFill>
-                  <a:schemeClr val="dk1"/>
-                </a:solidFill>
-              </a:rPr>
-              <a:t>d. You think it is good that these data are not public, so you leave it as it is.</a:t>
-            </a:r>
-            <a:endParaRPr>
+              <a:rPr lang="en" dirty="0">
+                <a:solidFill>
+                  <a:schemeClr val="dk1"/>
+                </a:solidFill>
+              </a:rPr>
+              <a:t>d. </a:t>
+            </a:r>
+            <a:r>
+              <a:rPr lang="fr-CA" dirty="0">
+                <a:solidFill>
+                  <a:schemeClr val="dk1"/>
+                </a:solidFill>
+              </a:rPr>
+              <a:t>Vous pensez qu'il est bon que ces données ne soient pas publiques, alors laissez-les telles quelles.</a:t>
+            </a:r>
+            <a:endParaRPr dirty="0">
               <a:solidFill>
                 <a:schemeClr val="dk1"/>
               </a:solidFill>
@@ -10396,18 +10320,29 @@
               <a:buNone/>
             </a:pPr>
             <a:r>
-              <a:rPr lang="en">
-                <a:solidFill>
-                  <a:schemeClr val="dk1"/>
-                </a:solidFill>
-              </a:rPr>
-              <a:t>If you have data about dolphin sightings, which vocabulary should you use for the DwC</a:t>
-            </a:r>
-            <a:endParaRPr>
-              <a:solidFill>
-                <a:schemeClr val="dk1"/>
-              </a:solidFill>
-            </a:endParaRPr>
+              <a:rPr lang="fr-CA" dirty="0">
+                <a:solidFill>
+                  <a:schemeClr val="dk1"/>
+                </a:solidFill>
+              </a:rPr>
+              <a:t>Si vous avez des données sur les observations de dauphins, quel vocabulaire devriez-vous utiliser pour le terme </a:t>
+            </a:r>
+            <a:r>
+              <a:rPr lang="fr-CA" dirty="0" err="1">
+                <a:solidFill>
+                  <a:schemeClr val="dk1"/>
+                </a:solidFill>
+              </a:rPr>
+              <a:t>DwC:basisOfRecord</a:t>
+            </a:r>
+            <a:r>
+              <a:rPr lang="fr-CA" dirty="0">
+                <a:solidFill>
+                  <a:schemeClr val="dk1"/>
+                </a:solidFill>
+              </a:rPr>
+              <a:t>? </a:t>
+            </a:r>
           </a:p>
           <a:p>
             <a:pPr marL="285750" marR="0" lvl="0" indent="-171450" algn="l" rtl="0">
@@ -10428,18 +10363,13 @@
               <a:buNone/>
             </a:pPr>
             <a:r>
-              <a:rPr lang="en">
-                <a:solidFill>
-                  <a:schemeClr val="dk1"/>
-                </a:solidFill>
-              </a:rPr>
-              <a:t>term: basisOfRecord?</a:t>
-            </a:r>
-            <a:endParaRPr>
-              <a:solidFill>
-                <a:schemeClr val="dk1"/>
-              </a:solidFill>
-            </a:endParaRPr>
+              <a:rPr lang="en" dirty="0">
+                <a:solidFill>
+                  <a:schemeClr val="dk1"/>
+                </a:solidFill>
+              </a:rPr>
+              <a:t>Choisir une réponse :</a:t>
+            </a:r>
           </a:p>
           <a:p>
             <a:pPr marL="285750" marR="0" lvl="0" indent="-171450" algn="l" rtl="0">
@@ -10460,14 +10390,14 @@
               <a:buNone/>
             </a:pPr>
             <a:r>
-              <a:rPr lang="en">
-                <a:solidFill>
-                  <a:schemeClr val="dk1"/>
-                </a:solidFill>
-              </a:rPr>
-              <a:t>Select one:</a:t>
-            </a:r>
-            <a:endParaRPr>
+              <a:rPr lang="en" dirty="0">
+                <a:solidFill>
+                  <a:schemeClr val="dk1"/>
+                </a:solidFill>
+              </a:rPr>
+              <a:t>a. LivingSpecimen</a:t>
+            </a:r>
+            <a:endParaRPr dirty="0">
               <a:solidFill>
                 <a:schemeClr val="dk1"/>
               </a:solidFill>
@@ -10492,14 +10422,14 @@
               <a:buNone/>
             </a:pPr>
             <a:r>
-              <a:rPr lang="en">
-                <a:solidFill>
-                  <a:schemeClr val="dk1"/>
-                </a:solidFill>
-              </a:rPr>
-              <a:t>a. LivingSpecimen</a:t>
-            </a:r>
-            <a:endParaRPr>
+              <a:rPr lang="en" dirty="0">
+                <a:solidFill>
+                  <a:schemeClr val="dk1"/>
+                </a:solidFill>
+              </a:rPr>
+              <a:t>b. Present</a:t>
+            </a:r>
+            <a:endParaRPr dirty="0">
               <a:solidFill>
                 <a:schemeClr val="dk1"/>
               </a:solidFill>
@@ -10524,14 +10454,14 @@
               <a:buNone/>
             </a:pPr>
             <a:r>
-              <a:rPr lang="en">
-                <a:solidFill>
-                  <a:schemeClr val="dk1"/>
-                </a:solidFill>
-              </a:rPr>
-              <a:t>b. Present</a:t>
-            </a:r>
-            <a:endParaRPr>
+              <a:rPr lang="en" dirty="0">
+                <a:solidFill>
+                  <a:schemeClr val="dk1"/>
+                </a:solidFill>
+              </a:rPr>
+              <a:t>c. PreservedSpecimen</a:t>
+            </a:r>
+            <a:endParaRPr dirty="0">
               <a:solidFill>
                 <a:schemeClr val="dk1"/>
               </a:solidFill>
@@ -10556,46 +10486,14 @@
               <a:buNone/>
             </a:pPr>
             <a:r>
-              <a:rPr lang="en">
-                <a:solidFill>
-                  <a:schemeClr val="dk1"/>
-                </a:solidFill>
-              </a:rPr>
-              <a:t>c. PreservedSpecimen</a:t>
-            </a:r>
-            <a:endParaRPr>
-              <a:solidFill>
-                <a:schemeClr val="dk1"/>
-              </a:solidFill>
-            </a:endParaRPr>
-          </a:p>
-          <a:p>
-            <a:pPr marL="285750" marR="0" lvl="0" indent="-171450" algn="l" rtl="0">
-              <a:lnSpc>
-                <a:spcPct val="150000"/>
-              </a:lnSpc>
-              <a:spcBef>
-                <a:spcPts val="0"/>
-              </a:spcBef>
-              <a:spcAft>
-                <a:spcPts val="0"/>
-              </a:spcAft>
-              <a:buClr>
-                <a:schemeClr val="dk1"/>
-              </a:buClr>
-              <a:buSzPts val="1100"/>
-              <a:buFont typeface="Arial"/>
-              <a:buNone/>
-            </a:pPr>
-            <a:r>
-              <a:rPr lang="en">
+              <a:rPr lang="en" dirty="0">
                 <a:solidFill>
                   <a:schemeClr val="dk1"/>
                 </a:solidFill>
               </a:rPr>
               <a:t>d. HumanObservation</a:t>
             </a:r>
-            <a:endParaRPr>
+            <a:endParaRPr dirty="0">
               <a:solidFill>
                 <a:schemeClr val="dk1"/>
               </a:solidFill>
@@ -10992,18 +10890,29 @@
               <a:buNone/>
             </a:pPr>
             <a:r>
-              <a:rPr lang="en">
-                <a:solidFill>
-                  <a:schemeClr val="dk1"/>
-                </a:solidFill>
-              </a:rPr>
-              <a:t>Which of the Darwin Core terms are mandatory for OBIS?</a:t>
-            </a:r>
-            <a:endParaRPr>
-              <a:solidFill>
-                <a:schemeClr val="dk1"/>
-              </a:solidFill>
-            </a:endParaRPr>
+              <a:rPr lang="fr-CA" dirty="0">
+                <a:solidFill>
+                  <a:schemeClr val="dk1"/>
+                </a:solidFill>
+              </a:rPr>
+              <a:t>Lesquels des termes Darwin </a:t>
+            </a:r>
+            <a:r>
+              <a:rPr lang="fr-CA" dirty="0" err="1">
+                <a:solidFill>
+                  <a:schemeClr val="dk1"/>
+                </a:solidFill>
+              </a:rPr>
+              <a:t>Core</a:t>
+            </a:r>
+            <a:r>
+              <a:rPr lang="fr-CA" dirty="0">
+                <a:solidFill>
+                  <a:schemeClr val="dk1"/>
+                </a:solidFill>
+              </a:rPr>
+              <a:t> sont obligatoires pour OBIS? </a:t>
+            </a:r>
           </a:p>
           <a:p>
             <a:pPr marL="285750" marR="0" lvl="0" indent="-171450" algn="l" rtl="0">
@@ -11024,14 +10933,14 @@
               <a:buNone/>
             </a:pPr>
             <a:r>
-              <a:rPr lang="en">
-                <a:solidFill>
-                  <a:schemeClr val="dk1"/>
-                </a:solidFill>
-              </a:rPr>
-              <a:t>Select one:</a:t>
-            </a:r>
-            <a:endParaRPr>
+              <a:rPr lang="fr-CA" dirty="0">
+                <a:solidFill>
+                  <a:schemeClr val="dk1"/>
+                </a:solidFill>
+              </a:rPr>
+              <a:t>Choisir une réponse :</a:t>
+            </a:r>
+            <a:endParaRPr dirty="0">
               <a:solidFill>
                 <a:schemeClr val="dk1"/>
               </a:solidFill>
@@ -11056,14 +10965,14 @@
               <a:buNone/>
             </a:pPr>
             <a:r>
-              <a:rPr lang="en">
+              <a:rPr lang="en" dirty="0">
                 <a:solidFill>
                   <a:schemeClr val="dk1"/>
                 </a:solidFill>
               </a:rPr>
               <a:t>a. occurrenceID, scientificName, scientificNameID, decimalLatitude,</a:t>
             </a:r>
-            <a:endParaRPr>
+            <a:endParaRPr dirty="0">
               <a:solidFill>
                 <a:schemeClr val="dk1"/>
               </a:solidFill>
@@ -11088,14 +10997,14 @@
               <a:buNone/>
             </a:pPr>
             <a:r>
-              <a:rPr lang="en">
+              <a:rPr lang="en" dirty="0">
                 <a:solidFill>
                   <a:schemeClr val="dk1"/>
                 </a:solidFill>
               </a:rPr>
               <a:t>decimalLongitude, dateIdentified, scientificNameAuthorship, basisOfRecord</a:t>
             </a:r>
-            <a:endParaRPr>
+            <a:endParaRPr dirty="0">
               <a:solidFill>
                 <a:schemeClr val="dk1"/>
               </a:solidFill>
@@ -11120,14 +11029,14 @@
               <a:buNone/>
             </a:pPr>
             <a:r>
-              <a:rPr lang="en">
+              <a:rPr lang="en" dirty="0">
                 <a:solidFill>
                   <a:schemeClr val="dk1"/>
                 </a:solidFill>
               </a:rPr>
               <a:t>b. occurrenceID, eventID, minimumDepth, eventDate, decimalLatitude,</a:t>
             </a:r>
-            <a:endParaRPr>
+            <a:endParaRPr dirty="0">
               <a:solidFill>
                 <a:schemeClr val="dk1"/>
               </a:solidFill>
@@ -11152,14 +11061,14 @@
               <a:buNone/>
             </a:pPr>
             <a:r>
-              <a:rPr lang="en">
+              <a:rPr lang="en" dirty="0">
                 <a:solidFill>
                   <a:schemeClr val="dk1"/>
                 </a:solidFill>
               </a:rPr>
               <a:t>decimalLongitude, country, identifiedBy</a:t>
             </a:r>
-            <a:endParaRPr>
+            <a:endParaRPr dirty="0">
               <a:solidFill>
                 <a:schemeClr val="dk1"/>
               </a:solidFill>
@@ -11184,14 +11093,14 @@
               <a:buNone/>
             </a:pPr>
             <a:r>
-              <a:rPr lang="en">
+              <a:rPr lang="en" dirty="0">
                 <a:solidFill>
                   <a:schemeClr val="dk1"/>
                 </a:solidFill>
               </a:rPr>
               <a:t>c. occurrenceID, scientificName, scientificNameID, decimalLatitude,</a:t>
             </a:r>
-            <a:endParaRPr>
+            <a:endParaRPr dirty="0">
               <a:solidFill>
                 <a:schemeClr val="dk1"/>
               </a:solidFill>
@@ -11216,14 +11125,14 @@
               <a:buNone/>
             </a:pPr>
             <a:r>
-              <a:rPr lang="en">
+              <a:rPr lang="en" dirty="0">
                 <a:solidFill>
                   <a:schemeClr val="dk1"/>
                 </a:solidFill>
               </a:rPr>
               <a:t>decimalLongitude, identificationRemarks, locationID, materialSampleID</a:t>
             </a:r>
-            <a:endParaRPr>
+            <a:endParaRPr dirty="0">
               <a:solidFill>
                 <a:schemeClr val="dk1"/>
               </a:solidFill>
@@ -11248,14 +11157,14 @@
               <a:buNone/>
             </a:pPr>
             <a:r>
-              <a:rPr lang="en">
+              <a:rPr lang="en" dirty="0">
                 <a:solidFill>
                   <a:schemeClr val="dk1"/>
                 </a:solidFill>
               </a:rPr>
               <a:t>d. occurrenceID, scientificName, scientificNameID, eventDate, decimalLatitude,</a:t>
             </a:r>
-            <a:endParaRPr>
+            <a:endParaRPr dirty="0">
               <a:solidFill>
                 <a:schemeClr val="dk1"/>
               </a:solidFill>
@@ -11280,14 +11189,14 @@
               <a:buNone/>
             </a:pPr>
             <a:r>
-              <a:rPr lang="en">
+              <a:rPr lang="en" dirty="0">
                 <a:solidFill>
                   <a:schemeClr val="dk1"/>
                 </a:solidFill>
               </a:rPr>
               <a:t>decimalLongitude, basisOfRecord, occurrenceStatus</a:t>
             </a:r>
-            <a:endParaRPr>
+            <a:endParaRPr dirty="0">
               <a:solidFill>
                 <a:schemeClr val="dk1"/>
               </a:solidFill>
@@ -11684,18 +11593,29 @@
               <a:buNone/>
             </a:pPr>
             <a:r>
-              <a:rPr lang="en">
-                <a:solidFill>
-                  <a:schemeClr val="dk1"/>
-                </a:solidFill>
-              </a:rPr>
-              <a:t>OBIS requires a minimum of 12 DwC terms to be completed in order to publish</a:t>
-            </a:r>
-            <a:endParaRPr>
-              <a:solidFill>
-                <a:schemeClr val="dk1"/>
-              </a:solidFill>
-            </a:endParaRPr>
+              <a:rPr lang="fr-CA" dirty="0">
+                <a:solidFill>
+                  <a:schemeClr val="dk1"/>
+                </a:solidFill>
+              </a:rPr>
+              <a:t>OBIS nécessite un minimum de 12 termes </a:t>
+            </a:r>
+            <a:r>
+              <a:rPr lang="fr-CA" dirty="0" err="1">
+                <a:solidFill>
+                  <a:schemeClr val="dk1"/>
+                </a:solidFill>
+              </a:rPr>
+              <a:t>DwC</a:t>
+            </a:r>
+            <a:r>
+              <a:rPr lang="fr-CA" dirty="0">
+                <a:solidFill>
+                  <a:schemeClr val="dk1"/>
+                </a:solidFill>
+              </a:rPr>
+              <a:t> à remplir afin de publier vos données. </a:t>
+            </a:r>
           </a:p>
           <a:p>
             <a:pPr marL="285750" marR="0" lvl="0" indent="-171450" algn="l" rtl="0">
@@ -11716,14 +11636,14 @@
               <a:buNone/>
             </a:pPr>
             <a:r>
-              <a:rPr lang="en">
-                <a:solidFill>
-                  <a:schemeClr val="dk1"/>
-                </a:solidFill>
-              </a:rPr>
-              <a:t>your data.</a:t>
-            </a:r>
-            <a:endParaRPr>
+              <a:rPr lang="fr-CA" dirty="0">
+                <a:solidFill>
+                  <a:schemeClr val="dk1"/>
+                </a:solidFill>
+              </a:rPr>
+              <a:t>Choisir une réponse :</a:t>
+            </a:r>
+            <a:endParaRPr dirty="0">
               <a:solidFill>
                 <a:schemeClr val="dk1"/>
               </a:solidFill>
@@ -11748,14 +11668,14 @@
               <a:buNone/>
             </a:pPr>
             <a:r>
-              <a:rPr lang="en">
-                <a:solidFill>
-                  <a:schemeClr val="dk1"/>
-                </a:solidFill>
-              </a:rPr>
-              <a:t>Select one:</a:t>
-            </a:r>
-            <a:endParaRPr>
+              <a:rPr lang="fr-CA" dirty="0">
+                <a:solidFill>
+                  <a:schemeClr val="dk1"/>
+                </a:solidFill>
+              </a:rPr>
+              <a:t>Vrai</a:t>
+            </a:r>
+            <a:endParaRPr dirty="0">
               <a:solidFill>
                 <a:schemeClr val="dk1"/>
               </a:solidFill>
@@ -11780,46 +11700,14 @@
               <a:buNone/>
             </a:pPr>
             <a:r>
-              <a:rPr lang="en">
-                <a:solidFill>
-                  <a:schemeClr val="dk1"/>
-                </a:solidFill>
-              </a:rPr>
-              <a:t>True</a:t>
-            </a:r>
-            <a:endParaRPr>
-              <a:solidFill>
-                <a:schemeClr val="dk1"/>
-              </a:solidFill>
-            </a:endParaRPr>
-          </a:p>
-          <a:p>
-            <a:pPr marL="285750" marR="0" lvl="0" indent="-171450" algn="l" rtl="0">
-              <a:lnSpc>
-                <a:spcPct val="150000"/>
-              </a:lnSpc>
-              <a:spcBef>
-                <a:spcPts val="0"/>
-              </a:spcBef>
-              <a:spcAft>
-                <a:spcPts val="0"/>
-              </a:spcAft>
-              <a:buClr>
-                <a:schemeClr val="dk1"/>
-              </a:buClr>
-              <a:buSzPts val="1100"/>
-              <a:buFont typeface="Arial"/>
-              <a:buNone/>
-            </a:pPr>
-            <a:r>
-              <a:rPr lang="en">
-                <a:solidFill>
-                  <a:schemeClr val="dk1"/>
-                </a:solidFill>
-              </a:rPr>
-              <a:t>False</a:t>
-            </a:r>
-            <a:endParaRPr>
+              <a:rPr lang="en" dirty="0">
+                <a:solidFill>
+                  <a:schemeClr val="dk1"/>
+                </a:solidFill>
+              </a:rPr>
+              <a:t>Faux</a:t>
+            </a:r>
+            <a:endParaRPr dirty="0">
               <a:solidFill>
                 <a:schemeClr val="dk1"/>
               </a:solidFill>
@@ -12216,18 +12104,29 @@
               <a:buNone/>
             </a:pPr>
             <a:r>
-              <a:rPr lang="en">
-                <a:solidFill>
-                  <a:schemeClr val="dk1"/>
-                </a:solidFill>
-              </a:rPr>
-              <a:t>What does it mean when individualCount has the following value?</a:t>
-            </a:r>
-            <a:endParaRPr>
-              <a:solidFill>
-                <a:schemeClr val="dk1"/>
-              </a:solidFill>
-            </a:endParaRPr>
+              <a:rPr lang="fr-CA" dirty="0">
+                <a:solidFill>
+                  <a:schemeClr val="dk1"/>
+                </a:solidFill>
+              </a:rPr>
+              <a:t>Qu'est-ce que cela signifie quand </a:t>
+            </a:r>
+            <a:r>
+              <a:rPr lang="fr-CA" dirty="0" err="1">
+                <a:solidFill>
+                  <a:schemeClr val="dk1"/>
+                </a:solidFill>
+              </a:rPr>
+              <a:t>individualCount</a:t>
+            </a:r>
+            <a:r>
+              <a:rPr lang="fr-CA" dirty="0">
+                <a:solidFill>
+                  <a:schemeClr val="dk1"/>
+                </a:solidFill>
+              </a:rPr>
+              <a:t> à la valeur suivante? </a:t>
+            </a:r>
           </a:p>
           <a:p>
             <a:pPr marL="285750" lvl="0" indent="-171450" algn="l" rtl="0">
@@ -12248,14 +12147,14 @@
               <a:buNone/>
             </a:pPr>
             <a:r>
-              <a:rPr lang="en">
+              <a:rPr lang="en" dirty="0">
                 <a:solidFill>
                   <a:schemeClr val="dk1"/>
                 </a:solidFill>
               </a:rPr>
               <a:t>individualCount  = 0</a:t>
             </a:r>
-            <a:endParaRPr>
+            <a:endParaRPr dirty="0">
               <a:solidFill>
                 <a:schemeClr val="dk1"/>
               </a:solidFill>
@@ -12280,14 +12179,14 @@
               <a:buNone/>
             </a:pPr>
             <a:r>
-              <a:rPr lang="en">
+              <a:rPr lang="en" dirty="0">
                 <a:solidFill>
                   <a:schemeClr val="dk1"/>
                 </a:solidFill>
               </a:rPr>
               <a:t>individualCount  = 100</a:t>
             </a:r>
-            <a:endParaRPr>
+            <a:endParaRPr dirty="0">
               <a:solidFill>
                 <a:schemeClr val="dk1"/>
               </a:solidFill>
@@ -12312,18 +12211,13 @@
               <a:buNone/>
             </a:pPr>
             <a:r>
-              <a:rPr lang="en">
+              <a:rPr lang="en" dirty="0">
                 <a:solidFill>
                   <a:schemeClr val="dk1"/>
                 </a:solidFill>
               </a:rPr>
               <a:t>individualCount  = NULL</a:t>
             </a:r>
-            <a:endParaRPr>
-              <a:solidFill>
-                <a:schemeClr val="dk1"/>
-              </a:solidFill>
-            </a:endParaRPr>
           </a:p>
           <a:p>
             <a:pPr marL="285750" lvl="0" indent="-171450" algn="l" rtl="0">
@@ -12343,7 +12237,149 @@
               <a:buFont typeface="Arial"/>
               <a:buNone/>
             </a:pPr>
-            <a:endParaRPr>
+            <a:endParaRPr lang="en" dirty="0">
+              <a:solidFill>
+                <a:schemeClr val="dk1"/>
+              </a:solidFill>
+            </a:endParaRPr>
+          </a:p>
+          <a:p>
+            <a:pPr marL="285750" lvl="0" indent="-171450" algn="l" rtl="0">
+              <a:lnSpc>
+                <a:spcPct val="150000"/>
+              </a:lnSpc>
+              <a:spcBef>
+                <a:spcPts val="0"/>
+              </a:spcBef>
+              <a:spcAft>
+                <a:spcPts val="0"/>
+              </a:spcAft>
+              <a:buClr>
+                <a:schemeClr val="dk1"/>
+              </a:buClr>
+              <a:buSzPts val="1100"/>
+              <a:buFont typeface="Arial"/>
+              <a:buNone/>
+            </a:pPr>
+            <a:r>
+              <a:rPr lang="fr-CA" dirty="0">
+                <a:solidFill>
+                  <a:schemeClr val="dk1"/>
+                </a:solidFill>
+              </a:rPr>
+              <a:t>- 100 individus ont été observés                    </a:t>
+            </a:r>
+          </a:p>
+          <a:p>
+            <a:pPr marL="285750" lvl="0" indent="-171450" algn="l" rtl="0">
+              <a:lnSpc>
+                <a:spcPct val="150000"/>
+              </a:lnSpc>
+              <a:spcBef>
+                <a:spcPts val="0"/>
+              </a:spcBef>
+              <a:spcAft>
+                <a:spcPts val="0"/>
+              </a:spcAft>
+              <a:buClr>
+                <a:schemeClr val="dk1"/>
+              </a:buClr>
+              <a:buSzPts val="1100"/>
+              <a:buFont typeface="Arial"/>
+              <a:buNone/>
+            </a:pPr>
+            <a:r>
+              <a:rPr lang="fr-CA" dirty="0">
+                <a:solidFill>
+                  <a:schemeClr val="dk1"/>
+                </a:solidFill>
+              </a:rPr>
+              <a:t>- Il n'y a pas d'informations sur </a:t>
+            </a:r>
+            <a:r>
+              <a:rPr lang="fr-CA" dirty="0" err="1">
+                <a:solidFill>
+                  <a:schemeClr val="dk1"/>
+                </a:solidFill>
+              </a:rPr>
+              <a:t>individualCount</a:t>
+            </a:r>
+            <a:r>
+              <a:rPr lang="fr-CA" dirty="0">
+                <a:solidFill>
+                  <a:schemeClr val="dk1"/>
+                </a:solidFill>
+              </a:rPr>
+              <a:t>                   </a:t>
+            </a:r>
+          </a:p>
+          <a:p>
+            <a:pPr marL="285750" lvl="0" indent="-171450" algn="l" rtl="0">
+              <a:lnSpc>
+                <a:spcPct val="150000"/>
+              </a:lnSpc>
+              <a:spcBef>
+                <a:spcPts val="0"/>
+              </a:spcBef>
+              <a:spcAft>
+                <a:spcPts val="0"/>
+              </a:spcAft>
+              <a:buClr>
+                <a:schemeClr val="dk1"/>
+              </a:buClr>
+              <a:buSzPts val="1100"/>
+              <a:buFont typeface="Arial"/>
+              <a:buNone/>
+            </a:pPr>
+            <a:r>
+              <a:rPr lang="fr-CA" dirty="0">
+                <a:solidFill>
+                  <a:schemeClr val="dk1"/>
+                </a:solidFill>
+              </a:rPr>
+              <a:t>- L'espèce n'a pas été trouvée, l'</a:t>
+            </a:r>
+            <a:r>
+              <a:rPr lang="fr-CA" dirty="0" err="1">
+                <a:solidFill>
+                  <a:schemeClr val="dk1"/>
+                </a:solidFill>
+              </a:rPr>
+              <a:t>occurrenceStatus</a:t>
+            </a:r>
+            <a:r>
+              <a:rPr lang="fr-CA" dirty="0">
+                <a:solidFill>
+                  <a:schemeClr val="dk1"/>
+                </a:solidFill>
+              </a:rPr>
+              <a:t> doit être défini sur 'Absent'</a:t>
+            </a:r>
+            <a:endParaRPr dirty="0">
+              <a:solidFill>
+                <a:schemeClr val="dk1"/>
+              </a:solidFill>
+            </a:endParaRPr>
+          </a:p>
+          <a:p>
+            <a:pPr marL="285750" lvl="0" indent="-171450" algn="l" rtl="0">
+              <a:lnSpc>
+                <a:spcPct val="150000"/>
+              </a:lnSpc>
+              <a:spcBef>
+                <a:spcPts val="0"/>
+              </a:spcBef>
+              <a:spcAft>
+                <a:spcPts val="0"/>
+              </a:spcAft>
+              <a:buClr>
+                <a:schemeClr val="dk1"/>
+              </a:buClr>
+              <a:buSzPts val="1100"/>
+              <a:buFont typeface="Arial"/>
+              <a:buNone/>
+            </a:pPr>
+            <a:endParaRPr dirty="0">
               <a:solidFill>
                 <a:schemeClr val="dk1"/>
               </a:solidFill>
@@ -12740,18 +12776,61 @@
               <a:buNone/>
             </a:pPr>
             <a:r>
-              <a:rPr lang="en">
-                <a:solidFill>
-                  <a:schemeClr val="dk1"/>
-                </a:solidFill>
-              </a:rPr>
-              <a:t>The dataset you are processing indicates that “Gadus morhua juvenile” was observed.</a:t>
-            </a:r>
-            <a:endParaRPr>
-              <a:solidFill>
-                <a:schemeClr val="dk1"/>
-              </a:solidFill>
-            </a:endParaRPr>
+              <a:rPr lang="fr-CA" dirty="0">
+                <a:solidFill>
+                  <a:schemeClr val="dk1"/>
+                </a:solidFill>
+              </a:rPr>
+              <a:t>L'ensemble de données que vous traitez indique que «</a:t>
+            </a:r>
+            <a:r>
+              <a:rPr lang="fr-CA" dirty="0" err="1">
+                <a:solidFill>
+                  <a:schemeClr val="dk1"/>
+                </a:solidFill>
+              </a:rPr>
+              <a:t>Gadus</a:t>
+            </a:r>
+            <a:r>
+              <a:rPr lang="fr-CA" dirty="0">
+                <a:solidFill>
+                  <a:schemeClr val="dk1"/>
+                </a:solidFill>
+              </a:rPr>
+              <a:t> </a:t>
+            </a:r>
+            <a:r>
+              <a:rPr lang="fr-CA" dirty="0" err="1">
+                <a:solidFill>
+                  <a:schemeClr val="dk1"/>
+                </a:solidFill>
+              </a:rPr>
+              <a:t>morhua</a:t>
+            </a:r>
+            <a:r>
+              <a:rPr lang="fr-CA" dirty="0">
+                <a:solidFill>
+                  <a:schemeClr val="dk1"/>
+                </a:solidFill>
+              </a:rPr>
+              <a:t> juvénile» a été observé. Comment cela se traduit-il par Darwin </a:t>
+            </a:r>
+            <a:r>
+              <a:rPr lang="fr-CA" dirty="0" err="1">
+                <a:solidFill>
+                  <a:schemeClr val="dk1"/>
+                </a:solidFill>
+              </a:rPr>
+              <a:t>Core</a:t>
+            </a:r>
+            <a:r>
+              <a:rPr lang="fr-CA" dirty="0">
+                <a:solidFill>
+                  <a:schemeClr val="dk1"/>
+                </a:solidFill>
+              </a:rPr>
+              <a:t>? </a:t>
+            </a:r>
           </a:p>
           <a:p>
             <a:pPr marL="285750" lvl="0" indent="-171450" algn="l" rtl="0">
@@ -12772,14 +12851,14 @@
               <a:buNone/>
             </a:pPr>
             <a:r>
-              <a:rPr lang="en">
-                <a:solidFill>
-                  <a:schemeClr val="dk1"/>
-                </a:solidFill>
-              </a:rPr>
-              <a:t>How does this translate to Darwin Core?</a:t>
-            </a:r>
-            <a:endParaRPr>
+              <a:rPr lang="en" dirty="0">
+                <a:solidFill>
+                  <a:schemeClr val="dk1"/>
+                </a:solidFill>
+              </a:rPr>
+              <a:t>Choisir une réponse :</a:t>
+            </a:r>
+            <a:endParaRPr dirty="0">
               <a:solidFill>
                 <a:schemeClr val="dk1"/>
               </a:solidFill>
@@ -12804,14 +12883,14 @@
               <a:buNone/>
             </a:pPr>
             <a:r>
-              <a:rPr lang="en">
-                <a:solidFill>
-                  <a:schemeClr val="dk1"/>
-                </a:solidFill>
-              </a:rPr>
-              <a:t>Select one:</a:t>
-            </a:r>
-            <a:endParaRPr>
+              <a:rPr lang="en" dirty="0">
+                <a:solidFill>
+                  <a:schemeClr val="dk1"/>
+                </a:solidFill>
+              </a:rPr>
+              <a:t>a. scientificName: Gadus morhua juvenile</a:t>
+            </a:r>
+            <a:endParaRPr dirty="0">
               <a:solidFill>
                 <a:schemeClr val="dk1"/>
               </a:solidFill>
@@ -12836,14 +12915,14 @@
               <a:buNone/>
             </a:pPr>
             <a:r>
-              <a:rPr lang="en">
-                <a:solidFill>
-                  <a:schemeClr val="dk1"/>
-                </a:solidFill>
-              </a:rPr>
-              <a:t>a.</a:t>
-            </a:r>
-            <a:endParaRPr>
+              <a:rPr lang="en" dirty="0">
+                <a:solidFill>
+                  <a:schemeClr val="dk1"/>
+                </a:solidFill>
+              </a:rPr>
+              <a:t>b. scientificName: Gadus morhua</a:t>
+            </a:r>
+            <a:endParaRPr dirty="0">
               <a:solidFill>
                 <a:schemeClr val="dk1"/>
               </a:solidFill>
@@ -12868,134 +12947,14 @@
               <a:buNone/>
             </a:pPr>
             <a:r>
-              <a:rPr lang="en">
-                <a:solidFill>
-                  <a:schemeClr val="dk1"/>
-                </a:solidFill>
-              </a:rPr>
-              <a:t>scientificName: Gadus morhua juvenile</a:t>
-            </a:r>
-            <a:endParaRPr>
-              <a:solidFill>
-                <a:schemeClr val="dk1"/>
-              </a:solidFill>
-            </a:endParaRPr>
-          </a:p>
-          <a:p>
-            <a:pPr marL="285750" lvl="0" indent="-171450" algn="l" rtl="0">
-              <a:lnSpc>
-                <a:spcPct val="150000"/>
-              </a:lnSpc>
-              <a:spcBef>
-                <a:spcPts val="0"/>
-              </a:spcBef>
-              <a:spcAft>
-                <a:spcPts val="0"/>
-              </a:spcAft>
-              <a:buClr>
-                <a:schemeClr val="dk1"/>
-              </a:buClr>
-              <a:buSzPts val="1100"/>
-              <a:buFont typeface="Arial"/>
-              <a:buNone/>
-            </a:pPr>
-            <a:endParaRPr>
-              <a:solidFill>
-                <a:schemeClr val="dk1"/>
-              </a:solidFill>
-            </a:endParaRPr>
-          </a:p>
-          <a:p>
-            <a:pPr marL="285750" lvl="0" indent="-171450" algn="l" rtl="0">
-              <a:lnSpc>
-                <a:spcPct val="150000"/>
-              </a:lnSpc>
-              <a:spcBef>
-                <a:spcPts val="0"/>
-              </a:spcBef>
-              <a:spcAft>
-                <a:spcPts val="0"/>
-              </a:spcAft>
-              <a:buClr>
-                <a:schemeClr val="dk1"/>
-              </a:buClr>
-              <a:buSzPts val="1100"/>
-              <a:buFont typeface="Arial"/>
-              <a:buNone/>
-            </a:pPr>
-            <a:r>
-              <a:rPr lang="en">
-                <a:solidFill>
-                  <a:schemeClr val="dk1"/>
-                </a:solidFill>
-              </a:rPr>
-              <a:t>b.</a:t>
-            </a:r>
-            <a:endParaRPr>
-              <a:solidFill>
-                <a:schemeClr val="dk1"/>
-              </a:solidFill>
-            </a:endParaRPr>
-          </a:p>
-          <a:p>
-            <a:pPr marL="285750" lvl="0" indent="-171450" algn="l" rtl="0">
-              <a:lnSpc>
-                <a:spcPct val="150000"/>
-              </a:lnSpc>
-              <a:spcBef>
-                <a:spcPts val="0"/>
-              </a:spcBef>
-              <a:spcAft>
-                <a:spcPts val="0"/>
-              </a:spcAft>
-              <a:buClr>
-                <a:schemeClr val="dk1"/>
-              </a:buClr>
-              <a:buSzPts val="1100"/>
-              <a:buFont typeface="Arial"/>
-              <a:buNone/>
-            </a:pPr>
-            <a:r>
-              <a:rPr lang="en">
-                <a:solidFill>
-                  <a:schemeClr val="dk1"/>
-                </a:solidFill>
-              </a:rPr>
-              <a:t>scientificName: Gadus morhua</a:t>
-            </a:r>
-            <a:endParaRPr>
-              <a:solidFill>
-                <a:schemeClr val="dk1"/>
-              </a:solidFill>
-            </a:endParaRPr>
-          </a:p>
-          <a:p>
-            <a:pPr marL="285750" lvl="0" indent="-171450" algn="l" rtl="0">
-              <a:lnSpc>
-                <a:spcPct val="150000"/>
-              </a:lnSpc>
-              <a:spcBef>
-                <a:spcPts val="0"/>
-              </a:spcBef>
-              <a:spcAft>
-                <a:spcPts val="0"/>
-              </a:spcAft>
-              <a:buClr>
-                <a:schemeClr val="dk1"/>
-              </a:buClr>
-              <a:buSzPts val="1100"/>
-              <a:buFont typeface="Arial"/>
-              <a:buNone/>
-            </a:pPr>
-            <a:r>
-              <a:rPr lang="en">
-                <a:solidFill>
-                  <a:schemeClr val="dk1"/>
-                </a:solidFill>
-              </a:rPr>
-              <a:t>lifestage: juvenile</a:t>
-            </a:r>
-            <a:endParaRPr>
+              <a:rPr lang="en" dirty="0">
+                <a:solidFill>
+                  <a:schemeClr val="dk1"/>
+                </a:solidFill>
+              </a:rPr>
+              <a:t>    lifestage: juvenile</a:t>
+            </a:r>
+            <a:endParaRPr dirty="0">
               <a:solidFill>
                 <a:schemeClr val="dk1"/>
               </a:solidFill>
@@ -13392,18 +13351,45 @@
               <a:buNone/>
             </a:pPr>
             <a:r>
-              <a:rPr lang="en">
-                <a:solidFill>
-                  <a:schemeClr val="dk1"/>
-                </a:solidFill>
-              </a:rPr>
-              <a:t>The scientificNameID can be found in WoRMS</a:t>
-            </a:r>
-            <a:endParaRPr>
-              <a:solidFill>
-                <a:schemeClr val="dk1"/>
-              </a:solidFill>
-            </a:endParaRPr>
+              <a:rPr lang="fr-CA" dirty="0">
+                <a:solidFill>
+                  <a:schemeClr val="dk1"/>
+                </a:solidFill>
+              </a:rPr>
+              <a:t>Le </a:t>
+            </a:r>
+            <a:r>
+              <a:rPr lang="fr-CA" dirty="0" err="1">
+                <a:solidFill>
+                  <a:schemeClr val="dk1"/>
+                </a:solidFill>
+              </a:rPr>
+              <a:t>ScientificNameID</a:t>
+            </a:r>
+            <a:r>
+              <a:rPr lang="fr-CA" dirty="0">
+                <a:solidFill>
+                  <a:schemeClr val="dk1"/>
+                </a:solidFill>
+              </a:rPr>
+              <a:t> se trouve dans </a:t>
+            </a:r>
+            <a:r>
+              <a:rPr lang="fr-CA" dirty="0" err="1">
+                <a:solidFill>
+                  <a:schemeClr val="dk1"/>
+                </a:solidFill>
+              </a:rPr>
+              <a:t>WoRMS</a:t>
+            </a:r>
+            <a:r>
+              <a:rPr lang="fr-CA" dirty="0">
+                <a:solidFill>
+                  <a:schemeClr val="dk1"/>
+                </a:solidFill>
+              </a:rPr>
+              <a:t> </a:t>
+            </a:r>
           </a:p>
           <a:p>
             <a:pPr marL="285750" lvl="0" indent="-171450" algn="l" rtl="0">
@@ -13424,14 +13410,14 @@
               <a:buNone/>
             </a:pPr>
             <a:r>
-              <a:rPr lang="en">
-                <a:solidFill>
-                  <a:schemeClr val="dk1"/>
-                </a:solidFill>
-              </a:rPr>
-              <a:t>Select one:</a:t>
-            </a:r>
-            <a:endParaRPr>
+              <a:rPr lang="en" dirty="0">
+                <a:solidFill>
+                  <a:schemeClr val="dk1"/>
+                </a:solidFill>
+              </a:rPr>
+              <a:t>Choisir une réponse :</a:t>
+            </a:r>
+            <a:endParaRPr dirty="0">
               <a:solidFill>
                 <a:schemeClr val="dk1"/>
               </a:solidFill>
@@ -13456,14 +13442,14 @@
               <a:buNone/>
             </a:pPr>
             <a:r>
-              <a:rPr lang="en">
-                <a:solidFill>
-                  <a:schemeClr val="dk1"/>
-                </a:solidFill>
-              </a:rPr>
-              <a:t>True</a:t>
-            </a:r>
-            <a:endParaRPr>
+              <a:rPr lang="fr-CA" dirty="0">
+                <a:solidFill>
+                  <a:schemeClr val="dk1"/>
+                </a:solidFill>
+              </a:rPr>
+              <a:t>Vrai</a:t>
+            </a:r>
+            <a:endParaRPr dirty="0">
               <a:solidFill>
                 <a:schemeClr val="dk1"/>
               </a:solidFill>
@@ -13488,14 +13474,14 @@
               <a:buNone/>
             </a:pPr>
             <a:r>
-              <a:rPr lang="en">
-                <a:solidFill>
-                  <a:schemeClr val="dk1"/>
-                </a:solidFill>
-              </a:rPr>
-              <a:t>False</a:t>
-            </a:r>
-            <a:endParaRPr>
+              <a:rPr lang="en" dirty="0">
+                <a:solidFill>
+                  <a:schemeClr val="dk1"/>
+                </a:solidFill>
+              </a:rPr>
+              <a:t>Faux</a:t>
+            </a:r>
+            <a:endParaRPr dirty="0">
               <a:solidFill>
                 <a:schemeClr val="dk1"/>
               </a:solidFill>
@@ -13875,6 +13861,9 @@
           <a:lstStyle/>
           <a:p>
             <a:pPr marL="0" lvl="0" indent="0" algn="l" rtl="0">
+              <a:lnSpc>
+                <a:spcPct val="150000"/>
+              </a:lnSpc>
               <a:spcBef>
                 <a:spcPts val="0"/>
               </a:spcBef>
@@ -13889,13 +13878,23 @@
               <a:buNone/>
             </a:pPr>
             <a:r>
-              <a:rPr lang="en"/>
-              <a:t>What represents the DwC term: locationID?</a:t>
-            </a:r>
-            <a:endParaRPr/>
+              <a:rPr lang="fr-CA" dirty="0"/>
+              <a:t>Que représente le terme </a:t>
+            </a:r>
+            <a:r>
+              <a:rPr lang="fr-CA" dirty="0" err="1"/>
+              <a:t>DwC:locationID</a:t>
+            </a:r>
+            <a:r>
+              <a:rPr lang="fr-CA" dirty="0"/>
+              <a:t>? </a:t>
+            </a:r>
           </a:p>
           <a:p>
             <a:pPr marL="0" lvl="0" indent="0" algn="l" rtl="0">
+              <a:lnSpc>
+                <a:spcPct val="150000"/>
+              </a:lnSpc>
               <a:spcBef>
                 <a:spcPts val="0"/>
               </a:spcBef>
@@ -13910,13 +13909,16 @@
               <a:buNone/>
             </a:pPr>
             <a:r>
-              <a:rPr lang="en"/>
-              <a:t>Select one:</a:t>
-            </a:r>
-            <a:endParaRPr/>
+              <a:rPr lang="en" dirty="0"/>
+              <a:t>Choisir une réponse :</a:t>
+            </a:r>
+            <a:endParaRPr dirty="0"/>
           </a:p>
           <a:p>
             <a:pPr marL="0" lvl="0" indent="0" algn="l" rtl="0">
+              <a:lnSpc>
+                <a:spcPct val="150000"/>
+              </a:lnSpc>
               <a:spcBef>
                 <a:spcPts val="0"/>
               </a:spcBef>
@@ -13931,13 +13933,24 @@
               <a:buNone/>
             </a:pPr>
             <a:r>
-              <a:rPr lang="en"/>
-              <a:t>a. The name of the location where the sample was taken.</a:t>
-            </a:r>
-            <a:endParaRPr/>
+              <a:rPr lang="en" dirty="0"/>
+              <a:t>a. </a:t>
+            </a:r>
+            <a:r>
+              <a:rPr lang="fr-CA" dirty="0"/>
+              <a:t>Le nom de l'endroit où l'échantillon a été prélevé</a:t>
+            </a:r>
+            <a:r>
+              <a:rPr lang="en" dirty="0"/>
+              <a:t>.</a:t>
+            </a:r>
+            <a:endParaRPr dirty="0"/>
           </a:p>
           <a:p>
             <a:pPr marL="0" lvl="0" indent="0" algn="l" rtl="0">
+              <a:lnSpc>
+                <a:spcPct val="150000"/>
+              </a:lnSpc>
               <a:spcBef>
                 <a:spcPts val="0"/>
               </a:spcBef>
@@ -13952,13 +13965,28 @@
               <a:buNone/>
             </a:pPr>
             <a:r>
-              <a:rPr lang="en"/>
-              <a:t>b. A reference code provided by the WoRMS web service.</a:t>
-            </a:r>
-            <a:endParaRPr/>
+              <a:rPr lang="en" dirty="0"/>
+              <a:t>b. </a:t>
+            </a:r>
+            <a:r>
+              <a:rPr lang="fr-CA" dirty="0"/>
+              <a:t>Un code de référence fourni par le service Web de </a:t>
+            </a:r>
+            <a:r>
+              <a:rPr lang="fr-CA" dirty="0" err="1"/>
+              <a:t>WoRMS</a:t>
+            </a:r>
+            <a:r>
+              <a:rPr lang="en" dirty="0"/>
+              <a:t>.</a:t>
+            </a:r>
+            <a:endParaRPr dirty="0"/>
           </a:p>
           <a:p>
             <a:pPr marL="0" lvl="0" indent="0" algn="l" rtl="0">
+              <a:lnSpc>
+                <a:spcPct val="150000"/>
+              </a:lnSpc>
               <a:spcBef>
                 <a:spcPts val="0"/>
               </a:spcBef>
@@ -13973,13 +14001,19 @@
               <a:buNone/>
             </a:pPr>
             <a:r>
-              <a:rPr lang="en"/>
-              <a:t>c. The event identifier</a:t>
-            </a:r>
-            <a:endParaRPr/>
+              <a:rPr lang="en" dirty="0"/>
+              <a:t>c. </a:t>
+            </a:r>
+            <a:r>
+              <a:rPr lang="fr-CA" dirty="0"/>
+              <a:t>L'identifiant d'événement </a:t>
+            </a:r>
           </a:p>
           <a:p>
             <a:pPr marL="0" lvl="0" indent="0" algn="l" rtl="0">
+              <a:lnSpc>
+                <a:spcPct val="150000"/>
+              </a:lnSpc>
               <a:spcBef>
                 <a:spcPts val="0"/>
               </a:spcBef>
@@ -13994,26 +14028,14 @@
               <a:buNone/>
             </a:pPr>
             <a:r>
-              <a:rPr lang="en"/>
-              <a:t>d. An unique and persistent identifier for the location of the record obtained</a:t>
-            </a:r>
-            <a:endParaRPr/>
-          </a:p>
-          <a:p>
-            <a:pPr marL="0" lvl="0" indent="0" algn="l" rtl="0">
-              <a:spcBef>
-                <a:spcPts val="0"/>
-              </a:spcBef>
-              <a:spcAft>
-                <a:spcPts val="0"/>
-              </a:spcAft>
-              <a:buNone/>
-            </a:pPr>
-            <a:r>
-              <a:rPr lang="en"/>
-              <a:t>from a gazetteer service, such as www.marineregions.org. </a:t>
-            </a:r>
-            <a:endParaRPr/>
+              <a:rPr lang="en" dirty="0"/>
+              <a:t>d. </a:t>
+            </a:r>
+            <a:r>
+              <a:rPr lang="fr-CA" dirty="0"/>
+              <a:t>Un identifiant unique et persistant pour l'emplacement de l'enregistrement obtenu à partir d'un service de répertoire géographique, tel que www.marineregions.org.</a:t>
+            </a:r>
+            <a:endParaRPr dirty="0"/>
           </a:p>
         </p:txBody>
       </p:sp>
@@ -14406,14 +14428,14 @@
               <a:buNone/>
             </a:pPr>
             <a:r>
-              <a:rPr lang="en">
-                <a:solidFill>
-                  <a:schemeClr val="dk1"/>
-                </a:solidFill>
-              </a:rPr>
-              <a:t>Your dataset contains abundance data, for example 25 individuals per liter. You need to</a:t>
-            </a:r>
-            <a:endParaRPr>
+              <a:rPr lang="fr-CA" dirty="0">
+                <a:solidFill>
+                  <a:schemeClr val="dk1"/>
+                </a:solidFill>
+              </a:rPr>
+              <a:t>Votre ensemble de données contient des données d'abondance, par exemple 25 individus par litre. Comment devez-vous enregistrer ceci : </a:t>
+            </a:r>
+            <a:endParaRPr dirty="0">
               <a:solidFill>
                 <a:schemeClr val="dk1"/>
               </a:solidFill>
@@ -14437,15 +14459,162 @@
               <a:buFont typeface="Arial"/>
               <a:buNone/>
             </a:pPr>
-            <a:r>
-              <a:rPr lang="en">
-                <a:solidFill>
-                  <a:schemeClr val="dk1"/>
-                </a:solidFill>
-              </a:rPr>
-              <a:t>record this as:</a:t>
-            </a:r>
-            <a:endParaRPr>
+            <a:endParaRPr dirty="0">
+              <a:solidFill>
+                <a:schemeClr val="dk1"/>
+              </a:solidFill>
+            </a:endParaRPr>
+          </a:p>
+          <a:p>
+            <a:pPr marL="285750" marR="0" lvl="0" indent="-171450" algn="l" rtl="0">
+              <a:lnSpc>
+                <a:spcPct val="150000"/>
+              </a:lnSpc>
+              <a:spcBef>
+                <a:spcPts val="0"/>
+              </a:spcBef>
+              <a:spcAft>
+                <a:spcPts val="0"/>
+              </a:spcAft>
+              <a:buClr>
+                <a:schemeClr val="dk1"/>
+              </a:buClr>
+              <a:buSzPts val="1100"/>
+              <a:buFont typeface="Arial"/>
+              <a:buNone/>
+            </a:pPr>
+            <a:r>
+              <a:rPr lang="en" dirty="0">
+                <a:solidFill>
+                  <a:schemeClr val="dk1"/>
+                </a:solidFill>
+              </a:rPr>
+              <a:t>Choisir une réponse :</a:t>
+            </a:r>
+            <a:endParaRPr dirty="0">
+              <a:solidFill>
+                <a:schemeClr val="dk1"/>
+              </a:solidFill>
+            </a:endParaRPr>
+          </a:p>
+          <a:p>
+            <a:pPr marL="285750" marR="0" lvl="0" indent="-171450" algn="l" rtl="0">
+              <a:lnSpc>
+                <a:spcPct val="150000"/>
+              </a:lnSpc>
+              <a:spcBef>
+                <a:spcPts val="0"/>
+              </a:spcBef>
+              <a:spcAft>
+                <a:spcPts val="0"/>
+              </a:spcAft>
+              <a:buClr>
+                <a:schemeClr val="dk1"/>
+              </a:buClr>
+              <a:buSzPts val="1100"/>
+              <a:buFont typeface="Arial"/>
+              <a:buNone/>
+            </a:pPr>
+            <a:r>
+              <a:rPr lang="en" dirty="0">
+                <a:solidFill>
+                  <a:schemeClr val="dk1"/>
+                </a:solidFill>
+              </a:rPr>
+              <a:t>a. DwC:individualCount: 25 par litre</a:t>
+            </a:r>
+            <a:endParaRPr dirty="0">
+              <a:solidFill>
+                <a:schemeClr val="dk1"/>
+              </a:solidFill>
+            </a:endParaRPr>
+          </a:p>
+          <a:p>
+            <a:pPr marL="285750" marR="0" lvl="0" indent="-171450" algn="l" rtl="0">
+              <a:lnSpc>
+                <a:spcPct val="150000"/>
+              </a:lnSpc>
+              <a:spcBef>
+                <a:spcPts val="0"/>
+              </a:spcBef>
+              <a:spcAft>
+                <a:spcPts val="0"/>
+              </a:spcAft>
+              <a:buClr>
+                <a:schemeClr val="dk1"/>
+              </a:buClr>
+              <a:buSzPts val="1100"/>
+              <a:buFont typeface="Arial"/>
+              <a:buNone/>
+            </a:pPr>
+            <a:r>
+              <a:rPr lang="en" dirty="0">
+                <a:solidFill>
+                  <a:schemeClr val="dk1"/>
+                </a:solidFill>
+              </a:rPr>
+              <a:t>b. DwC:organismQuantity: 25 et DwC:organismQuantityType: individu par litre.</a:t>
+            </a:r>
+          </a:p>
+          <a:p>
+            <a:pPr marL="285750" marR="0" lvl="0" indent="-171450" algn="l" rtl="0">
+              <a:lnSpc>
+                <a:spcPct val="150000"/>
+              </a:lnSpc>
+              <a:spcBef>
+                <a:spcPts val="0"/>
+              </a:spcBef>
+              <a:spcAft>
+                <a:spcPts val="0"/>
+              </a:spcAft>
+              <a:buClr>
+                <a:schemeClr val="dk1"/>
+              </a:buClr>
+              <a:buSzPts val="1100"/>
+              <a:buFont typeface="Arial"/>
+              <a:buNone/>
+            </a:pPr>
+            <a:r>
+              <a:rPr lang="en" dirty="0">
+                <a:solidFill>
+                  <a:schemeClr val="dk1"/>
+                </a:solidFill>
+              </a:rPr>
+              <a:t>c. MeasurementType: abondance; MeasurementValue: 25 ; MeasurementUnit:</a:t>
+            </a:r>
+            <a:endParaRPr dirty="0">
+              <a:solidFill>
+                <a:schemeClr val="dk1"/>
+              </a:solidFill>
+            </a:endParaRPr>
+          </a:p>
+          <a:p>
+            <a:pPr marL="285750" marR="0" lvl="0" indent="-171450" algn="l" rtl="0">
+              <a:lnSpc>
+                <a:spcPct val="150000"/>
+              </a:lnSpc>
+              <a:spcBef>
+                <a:spcPts val="0"/>
+              </a:spcBef>
+              <a:spcAft>
+                <a:spcPts val="0"/>
+              </a:spcAft>
+              <a:buClr>
+                <a:schemeClr val="dk1"/>
+              </a:buClr>
+              <a:buSzPts val="1100"/>
+              <a:buFont typeface="Arial"/>
+              <a:buNone/>
+            </a:pPr>
+            <a:r>
+              <a:rPr lang="fr-CA" dirty="0">
+                <a:solidFill>
+                  <a:schemeClr val="dk1"/>
+                </a:solidFill>
+              </a:rPr>
+              <a:t>Individu par litre</a:t>
+            </a:r>
+            <a:endParaRPr dirty="0">
               <a:solidFill>
                 <a:schemeClr val="dk1"/>
               </a:solidFill>
@@ -14469,231 +14638,15 @@
               <a:buFont typeface="Arial"/>
               <a:buNone/>
             </a:pPr>
-            <a:endParaRPr>
-              <a:solidFill>
-                <a:schemeClr val="dk1"/>
-              </a:solidFill>
-            </a:endParaRPr>
-          </a:p>
-          <a:p>
-            <a:pPr marL="285750" marR="0" lvl="0" indent="-171450" algn="l" rtl="0">
-              <a:lnSpc>
-                <a:spcPct val="150000"/>
-              </a:lnSpc>
-              <a:spcBef>
-                <a:spcPts val="0"/>
-              </a:spcBef>
-              <a:spcAft>
-                <a:spcPts val="0"/>
-              </a:spcAft>
-              <a:buClr>
-                <a:schemeClr val="dk1"/>
-              </a:buClr>
-              <a:buSzPts val="1100"/>
-              <a:buFont typeface="Arial"/>
-              <a:buNone/>
-            </a:pPr>
-            <a:r>
-              <a:rPr lang="en">
-                <a:solidFill>
-                  <a:schemeClr val="dk1"/>
-                </a:solidFill>
-              </a:rPr>
-              <a:t>Select one:</a:t>
-            </a:r>
-            <a:endParaRPr>
-              <a:solidFill>
-                <a:schemeClr val="dk1"/>
-              </a:solidFill>
-            </a:endParaRPr>
-          </a:p>
-          <a:p>
-            <a:pPr marL="285750" marR="0" lvl="0" indent="-171450" algn="l" rtl="0">
-              <a:lnSpc>
-                <a:spcPct val="150000"/>
-              </a:lnSpc>
-              <a:spcBef>
-                <a:spcPts val="0"/>
-              </a:spcBef>
-              <a:spcAft>
-                <a:spcPts val="0"/>
-              </a:spcAft>
-              <a:buClr>
-                <a:schemeClr val="dk1"/>
-              </a:buClr>
-              <a:buSzPts val="1100"/>
-              <a:buFont typeface="Arial"/>
-              <a:buNone/>
-            </a:pPr>
-            <a:r>
-              <a:rPr lang="en">
-                <a:solidFill>
-                  <a:schemeClr val="dk1"/>
-                </a:solidFill>
-              </a:rPr>
-              <a:t>a. DwC:individualCount: 25 per liter</a:t>
-            </a:r>
-            <a:endParaRPr>
-              <a:solidFill>
-                <a:schemeClr val="dk1"/>
-              </a:solidFill>
-            </a:endParaRPr>
-          </a:p>
-          <a:p>
-            <a:pPr marL="285750" marR="0" lvl="0" indent="-171450" algn="l" rtl="0">
-              <a:lnSpc>
-                <a:spcPct val="150000"/>
-              </a:lnSpc>
-              <a:spcBef>
-                <a:spcPts val="0"/>
-              </a:spcBef>
-              <a:spcAft>
-                <a:spcPts val="0"/>
-              </a:spcAft>
-              <a:buClr>
-                <a:schemeClr val="dk1"/>
-              </a:buClr>
-              <a:buSzPts val="1100"/>
-              <a:buFont typeface="Arial"/>
-              <a:buNone/>
-            </a:pPr>
-            <a:r>
-              <a:rPr lang="en">
-                <a:solidFill>
-                  <a:schemeClr val="dk1"/>
-                </a:solidFill>
-              </a:rPr>
-              <a:t>b. DwC:organismQuantity: 25 and DwC:organismQuantityType: individuals per</a:t>
-            </a:r>
-            <a:endParaRPr>
-              <a:solidFill>
-                <a:schemeClr val="dk1"/>
-              </a:solidFill>
-            </a:endParaRPr>
-          </a:p>
-          <a:p>
-            <a:pPr marL="285750" marR="0" lvl="0" indent="-171450" algn="l" rtl="0">
-              <a:lnSpc>
-                <a:spcPct val="150000"/>
-              </a:lnSpc>
-              <a:spcBef>
-                <a:spcPts val="0"/>
-              </a:spcBef>
-              <a:spcAft>
-                <a:spcPts val="0"/>
-              </a:spcAft>
-              <a:buClr>
-                <a:schemeClr val="dk1"/>
-              </a:buClr>
-              <a:buSzPts val="1100"/>
-              <a:buFont typeface="Arial"/>
-              <a:buNone/>
-            </a:pPr>
-            <a:r>
-              <a:rPr lang="en">
-                <a:solidFill>
-                  <a:schemeClr val="dk1"/>
-                </a:solidFill>
-              </a:rPr>
-              <a:t>liter</a:t>
-            </a:r>
-            <a:endParaRPr>
-              <a:solidFill>
-                <a:schemeClr val="dk1"/>
-              </a:solidFill>
-            </a:endParaRPr>
-          </a:p>
-          <a:p>
-            <a:pPr marL="285750" marR="0" lvl="0" indent="-171450" algn="l" rtl="0">
-              <a:lnSpc>
-                <a:spcPct val="150000"/>
-              </a:lnSpc>
-              <a:spcBef>
-                <a:spcPts val="0"/>
-              </a:spcBef>
-              <a:spcAft>
-                <a:spcPts val="0"/>
-              </a:spcAft>
-              <a:buClr>
-                <a:schemeClr val="dk1"/>
-              </a:buClr>
-              <a:buSzPts val="1100"/>
-              <a:buFont typeface="Arial"/>
-              <a:buNone/>
-            </a:pPr>
-            <a:r>
-              <a:rPr lang="en">
-                <a:solidFill>
-                  <a:schemeClr val="dk1"/>
-                </a:solidFill>
-              </a:rPr>
-              <a:t>c. MeasurementType: abundance; MeasurementValue: 25 ; MeasurementUnit:</a:t>
-            </a:r>
-            <a:endParaRPr>
-              <a:solidFill>
-                <a:schemeClr val="dk1"/>
-              </a:solidFill>
-            </a:endParaRPr>
-          </a:p>
-          <a:p>
-            <a:pPr marL="285750" marR="0" lvl="0" indent="-171450" algn="l" rtl="0">
-              <a:lnSpc>
-                <a:spcPct val="150000"/>
-              </a:lnSpc>
-              <a:spcBef>
-                <a:spcPts val="0"/>
-              </a:spcBef>
-              <a:spcAft>
-                <a:spcPts val="0"/>
-              </a:spcAft>
-              <a:buClr>
-                <a:schemeClr val="dk1"/>
-              </a:buClr>
-              <a:buSzPts val="1100"/>
-              <a:buFont typeface="Arial"/>
-              <a:buNone/>
-            </a:pPr>
-            <a:r>
-              <a:rPr lang="en">
-                <a:solidFill>
-                  <a:schemeClr val="dk1"/>
-                </a:solidFill>
-              </a:rPr>
-              <a:t>individuals per liter</a:t>
-            </a:r>
-            <a:endParaRPr>
-              <a:solidFill>
-                <a:schemeClr val="dk1"/>
-              </a:solidFill>
-            </a:endParaRPr>
-          </a:p>
-          <a:p>
-            <a:pPr marL="285750" marR="0" lvl="0" indent="-171450" algn="l" rtl="0">
-              <a:lnSpc>
-                <a:spcPct val="150000"/>
-              </a:lnSpc>
-              <a:spcBef>
-                <a:spcPts val="0"/>
-              </a:spcBef>
-              <a:spcAft>
-                <a:spcPts val="0"/>
-              </a:spcAft>
-              <a:buClr>
-                <a:schemeClr val="dk1"/>
-              </a:buClr>
-              <a:buSzPts val="1800"/>
-              <a:buFont typeface="Arial"/>
-              <a:buNone/>
-            </a:pPr>
-            <a:r>
-              <a:rPr lang="en">
-                <a:solidFill>
-                  <a:schemeClr val="dk1"/>
-                </a:solidFill>
-              </a:rPr>
-              <a:t>d. DwC:abundance: 25 individuals per liter</a:t>
-            </a:r>
-            <a:endParaRPr>
+            <a:r>
+              <a:rPr lang="en" dirty="0">
+                <a:solidFill>
+                  <a:schemeClr val="dk1"/>
+                </a:solidFill>
+              </a:rPr>
+              <a:t>d. DwC:abundance: 25 individus par litre</a:t>
+            </a:r>
+            <a:endParaRPr dirty="0">
               <a:solidFill>
                 <a:schemeClr val="dk1"/>
               </a:solidFill>
@@ -15055,8 +15008,8 @@
         </p:nvSpPr>
         <p:spPr>
           <a:xfrm>
-            <a:off x="802797" y="1061366"/>
-            <a:ext cx="7854300" cy="3808800"/>
+            <a:off x="802796" y="1061366"/>
+            <a:ext cx="8029503" cy="3808800"/>
           </a:xfrm>
           <a:prstGeom prst="rect">
             <a:avLst/>
@@ -15090,14 +15043,65 @@
               <a:buNone/>
             </a:pPr>
             <a:r>
-              <a:rPr lang="en">
-                <a:solidFill>
-                  <a:schemeClr val="dk1"/>
-                </a:solidFill>
-              </a:rPr>
-              <a:t>If you have a species name that includes the word "aff.", which DwC term can hold this</a:t>
-            </a:r>
-            <a:endParaRPr>
+              <a:rPr lang="fr-CA" dirty="0">
+                <a:solidFill>
+                  <a:schemeClr val="dk1"/>
+                </a:solidFill>
+              </a:rPr>
+              <a:t>Si vous avez un nom d'espèce qui comprend le mot «</a:t>
+            </a:r>
+            <a:r>
+              <a:rPr lang="fr-CA" dirty="0" err="1">
+                <a:solidFill>
+                  <a:schemeClr val="dk1"/>
+                </a:solidFill>
+              </a:rPr>
+              <a:t>aff.</a:t>
+            </a:r>
+            <a:r>
+              <a:rPr lang="fr-CA" dirty="0">
+                <a:solidFill>
+                  <a:schemeClr val="dk1"/>
+                </a:solidFill>
+              </a:rPr>
+              <a:t>», Quel terme </a:t>
+            </a:r>
+            <a:r>
+              <a:rPr lang="fr-CA" dirty="0" err="1">
+                <a:solidFill>
+                  <a:schemeClr val="dk1"/>
+                </a:solidFill>
+              </a:rPr>
+              <a:t>DwC</a:t>
+            </a:r>
+            <a:r>
+              <a:rPr lang="fr-CA" dirty="0">
+                <a:solidFill>
+                  <a:schemeClr val="dk1"/>
+                </a:solidFill>
+              </a:rPr>
+              <a:t> peut contenir cette information? </a:t>
+            </a:r>
+          </a:p>
+          <a:p>
+            <a:pPr marL="285750" indent="-171450">
+              <a:lnSpc>
+                <a:spcPct val="150000"/>
+              </a:lnSpc>
+              <a:buClr>
+                <a:schemeClr val="dk1"/>
+              </a:buClr>
+              <a:buSzPts val="1100"/>
+            </a:pPr>
+            <a:r>
+              <a:rPr lang="fr-CA" dirty="0">
+                <a:solidFill>
+                  <a:schemeClr val="dk1"/>
+                </a:solidFill>
+              </a:rPr>
+              <a:t>Choisir une réponse :</a:t>
+            </a:r>
+            <a:endParaRPr dirty="0">
               <a:solidFill>
                 <a:schemeClr val="dk1"/>
               </a:solidFill>
@@ -15122,14 +15126,14 @@
               <a:buNone/>
             </a:pPr>
             <a:r>
-              <a:rPr lang="en">
-                <a:solidFill>
-                  <a:schemeClr val="dk1"/>
-                </a:solidFill>
-              </a:rPr>
-              <a:t>information?</a:t>
-            </a:r>
-            <a:endParaRPr>
+              <a:rPr lang="en" dirty="0">
+                <a:solidFill>
+                  <a:schemeClr val="dk1"/>
+                </a:solidFill>
+              </a:rPr>
+              <a:t>a. associatedTaxa</a:t>
+            </a:r>
+            <a:endParaRPr dirty="0">
               <a:solidFill>
                 <a:schemeClr val="dk1"/>
               </a:solidFill>
@@ -15154,14 +15158,14 @@
               <a:buNone/>
             </a:pPr>
             <a:r>
-              <a:rPr lang="en">
-                <a:solidFill>
-                  <a:schemeClr val="dk1"/>
-                </a:solidFill>
-              </a:rPr>
-              <a:t>Select one:</a:t>
-            </a:r>
-            <a:endParaRPr>
+              <a:rPr lang="en" dirty="0">
+                <a:solidFill>
+                  <a:schemeClr val="dk1"/>
+                </a:solidFill>
+              </a:rPr>
+              <a:t>b. identificationQualifier</a:t>
+            </a:r>
+            <a:endParaRPr dirty="0">
               <a:solidFill>
                 <a:schemeClr val="dk1"/>
               </a:solidFill>
@@ -15186,78 +15190,14 @@
               <a:buNone/>
             </a:pPr>
             <a:r>
-              <a:rPr lang="en">
-                <a:solidFill>
-                  <a:schemeClr val="dk1"/>
-                </a:solidFill>
-              </a:rPr>
-              <a:t>a. associatedTaxa</a:t>
-            </a:r>
-            <a:endParaRPr>
-              <a:solidFill>
-                <a:schemeClr val="dk1"/>
-              </a:solidFill>
-            </a:endParaRPr>
-          </a:p>
-          <a:p>
-            <a:pPr marL="285750" marR="0" lvl="0" indent="-171450" algn="l" rtl="0">
-              <a:lnSpc>
-                <a:spcPct val="150000"/>
-              </a:lnSpc>
-              <a:spcBef>
-                <a:spcPts val="0"/>
-              </a:spcBef>
-              <a:spcAft>
-                <a:spcPts val="0"/>
-              </a:spcAft>
-              <a:buClr>
-                <a:schemeClr val="dk1"/>
-              </a:buClr>
-              <a:buSzPts val="1100"/>
-              <a:buFont typeface="Arial"/>
-              <a:buNone/>
-            </a:pPr>
-            <a:r>
-              <a:rPr lang="en">
-                <a:solidFill>
-                  <a:schemeClr val="dk1"/>
-                </a:solidFill>
-              </a:rPr>
-              <a:t>b. identificationQualifier</a:t>
-            </a:r>
-            <a:endParaRPr>
-              <a:solidFill>
-                <a:schemeClr val="dk1"/>
-              </a:solidFill>
-            </a:endParaRPr>
-          </a:p>
-          <a:p>
-            <a:pPr marL="285750" marR="0" lvl="0" indent="-171450" algn="l" rtl="0">
-              <a:lnSpc>
-                <a:spcPct val="150000"/>
-              </a:lnSpc>
-              <a:spcBef>
-                <a:spcPts val="0"/>
-              </a:spcBef>
-              <a:spcAft>
-                <a:spcPts val="0"/>
-              </a:spcAft>
-              <a:buClr>
-                <a:schemeClr val="dk1"/>
-              </a:buClr>
-              <a:buSzPts val="1100"/>
-              <a:buFont typeface="Arial"/>
-              <a:buNone/>
-            </a:pPr>
-            <a:r>
-              <a:rPr lang="en">
+              <a:rPr lang="en" dirty="0">
                 <a:solidFill>
                   <a:schemeClr val="dk1"/>
                 </a:solidFill>
               </a:rPr>
               <a:t>c. bibliographicCitation</a:t>
             </a:r>
-            <a:endParaRPr>
+            <a:endParaRPr dirty="0">
               <a:solidFill>
                 <a:schemeClr val="dk1"/>
               </a:solidFill>
@@ -15282,14 +15222,14 @@
               <a:buNone/>
             </a:pPr>
             <a:r>
-              <a:rPr lang="en">
+              <a:rPr lang="en" dirty="0">
                 <a:solidFill>
                   <a:schemeClr val="dk1"/>
                 </a:solidFill>
               </a:rPr>
               <a:t>d. identificationReferences</a:t>
             </a:r>
-            <a:endParaRPr>
+            <a:endParaRPr dirty="0">
               <a:solidFill>
                 <a:schemeClr val="dk1"/>
               </a:solidFill>
@@ -15686,18 +15626,13 @@
               <a:buNone/>
             </a:pPr>
             <a:r>
-              <a:rPr lang="en">
-                <a:solidFill>
-                  <a:schemeClr val="dk1"/>
-                </a:solidFill>
-              </a:rPr>
-              <a:t>I only have the country as location information, no coordinates. What should I do?</a:t>
-            </a:r>
-            <a:endParaRPr>
-              <a:solidFill>
-                <a:schemeClr val="dk1"/>
-              </a:solidFill>
-            </a:endParaRPr>
+              <a:rPr lang="fr-CA" dirty="0">
+                <a:solidFill>
+                  <a:schemeClr val="dk1"/>
+                </a:solidFill>
+              </a:rPr>
+              <a:t>Je n'ai que le pays comme information de localisation, pas de coordonnées. Que devrais-je faire?</a:t>
+            </a:r>
           </a:p>
           <a:p>
             <a:pPr marL="285750" marR="0" lvl="0" indent="-171450" algn="l" rtl="0">
@@ -15718,14 +15653,14 @@
               <a:buNone/>
             </a:pPr>
             <a:r>
-              <a:rPr lang="en">
-                <a:solidFill>
-                  <a:schemeClr val="dk1"/>
-                </a:solidFill>
-              </a:rPr>
-              <a:t>Select one:</a:t>
-            </a:r>
-            <a:endParaRPr>
+              <a:rPr lang="fr-CA" dirty="0">
+                <a:solidFill>
+                  <a:schemeClr val="dk1"/>
+                </a:solidFill>
+              </a:rPr>
+              <a:t>Choisir une réponse :</a:t>
+            </a:r>
+            <a:endParaRPr dirty="0">
               <a:solidFill>
                 <a:schemeClr val="dk1"/>
               </a:solidFill>
@@ -15750,18 +15685,37 @@
               <a:buNone/>
             </a:pPr>
             <a:r>
-              <a:rPr lang="en">
-                <a:solidFill>
-                  <a:schemeClr val="dk1"/>
-                </a:solidFill>
-              </a:rPr>
-              <a:t>a. Add the country name in the DwC:location. OBIS automatically adds the coordinates</a:t>
-            </a:r>
-            <a:endParaRPr>
-              <a:solidFill>
-                <a:schemeClr val="dk1"/>
-              </a:solidFill>
-            </a:endParaRPr>
+              <a:rPr lang="en" dirty="0">
+                <a:solidFill>
+                  <a:schemeClr val="dk1"/>
+                </a:solidFill>
+              </a:rPr>
+              <a:t>a. </a:t>
+            </a:r>
+            <a:r>
+              <a:rPr lang="fr-CA" dirty="0">
+                <a:solidFill>
+                  <a:schemeClr val="dk1"/>
+                </a:solidFill>
+              </a:rPr>
+              <a:t>Ajoutez le nom du pays dans </a:t>
+            </a:r>
+            <a:r>
+              <a:rPr lang="fr-CA" dirty="0" err="1">
+                <a:solidFill>
+                  <a:schemeClr val="dk1"/>
+                </a:solidFill>
+              </a:rPr>
+              <a:t>DwC:location</a:t>
+            </a:r>
+            <a:r>
+              <a:rPr lang="fr-CA" dirty="0">
+                <a:solidFill>
+                  <a:schemeClr val="dk1"/>
+                </a:solidFill>
+              </a:rPr>
+              <a:t>. OBIS ajoute automatiquement les coordonnées</a:t>
+            </a:r>
           </a:p>
           <a:p>
             <a:pPr marL="285750" marR="0" lvl="0" indent="-171450" algn="l" rtl="0">
@@ -15782,18 +15736,45 @@
               <a:buNone/>
             </a:pPr>
             <a:r>
-              <a:rPr lang="en">
-                <a:solidFill>
-                  <a:schemeClr val="dk1"/>
-                </a:solidFill>
-              </a:rPr>
-              <a:t>b. Add the country's EEZ name in DwC:country. OBIS automatically adds the coordinates</a:t>
-            </a:r>
-            <a:endParaRPr>
-              <a:solidFill>
-                <a:schemeClr val="dk1"/>
-              </a:solidFill>
-            </a:endParaRPr>
+              <a:rPr lang="en" dirty="0">
+                <a:solidFill>
+                  <a:schemeClr val="dk1"/>
+                </a:solidFill>
+              </a:rPr>
+              <a:t>b. </a:t>
+            </a:r>
+            <a:r>
+              <a:rPr lang="fr-CA" dirty="0">
+                <a:solidFill>
+                  <a:schemeClr val="dk1"/>
+                </a:solidFill>
+              </a:rPr>
+              <a:t>Ajoutez le nom de la EEZ du pays dans </a:t>
+            </a:r>
+            <a:r>
+              <a:rPr lang="fr-CA" dirty="0" err="1">
+                <a:solidFill>
+                  <a:schemeClr val="dk1"/>
+                </a:solidFill>
+              </a:rPr>
+              <a:t>DwC:country</a:t>
+            </a:r>
+            <a:r>
+              <a:rPr lang="fr-CA" dirty="0">
+                <a:solidFill>
+                  <a:schemeClr val="dk1"/>
+                </a:solidFill>
+              </a:rPr>
+              <a:t>. OBIS ajoute automatiquement les coordonnées</a:t>
+            </a:r>
+            <a:r>
+              <a:rPr lang="en" dirty="0">
+                <a:solidFill>
+                  <a:schemeClr val="dk1"/>
+                </a:solidFill>
+              </a:rPr>
+              <a:t>c.c</a:t>
+            </a:r>
           </a:p>
           <a:p>
             <a:pPr marL="285750" marR="0" lvl="0" indent="-171450" algn="l" rtl="0">
@@ -15814,14 +15795,110 @@
               <a:buNone/>
             </a:pPr>
             <a:r>
-              <a:rPr lang="en">
-                <a:solidFill>
-                  <a:schemeClr val="dk1"/>
-                </a:solidFill>
-              </a:rPr>
-              <a:t>c. Provide the midpoint and radius from the countries EEZ (available in</a:t>
-            </a:r>
-            <a:endParaRPr>
+              <a:rPr lang="en" dirty="0">
+                <a:solidFill>
+                  <a:schemeClr val="dk1"/>
+                </a:solidFill>
+              </a:rPr>
+              <a:t>c. </a:t>
+            </a:r>
+            <a:r>
+              <a:rPr lang="fr-CA" dirty="0">
+                <a:solidFill>
+                  <a:schemeClr val="dk1"/>
+                </a:solidFill>
+              </a:rPr>
+              <a:t>Fournissez le point médian et le rayon du pays EEZ (disponible sur marineregions.org) dans </a:t>
+            </a:r>
+            <a:r>
+              <a:rPr lang="fr-CA" dirty="0" err="1">
+                <a:solidFill>
+                  <a:schemeClr val="dk1"/>
+                </a:solidFill>
+              </a:rPr>
+              <a:t>DwC:decimalLatitude</a:t>
+            </a:r>
+            <a:r>
+              <a:rPr lang="fr-CA" dirty="0">
+                <a:solidFill>
+                  <a:schemeClr val="dk1"/>
+                </a:solidFill>
+              </a:rPr>
+              <a:t>, </a:t>
+            </a:r>
+            <a:r>
+              <a:rPr lang="fr-CA" dirty="0" err="1">
+                <a:solidFill>
+                  <a:schemeClr val="dk1"/>
+                </a:solidFill>
+              </a:rPr>
+              <a:t>DwC:decimalLongitude</a:t>
+            </a:r>
+            <a:r>
+              <a:rPr lang="fr-CA" dirty="0">
+                <a:solidFill>
+                  <a:schemeClr val="dk1"/>
+                </a:solidFill>
+              </a:rPr>
+              <a:t> et </a:t>
+            </a:r>
+            <a:r>
+              <a:rPr lang="fr-CA" dirty="0" err="1">
+                <a:solidFill>
+                  <a:schemeClr val="dk1"/>
+                </a:solidFill>
+              </a:rPr>
+              <a:t>DwC:coordinateUncertaintyInMeters</a:t>
+            </a:r>
+            <a:r>
+              <a:rPr lang="fr-CA" dirty="0">
+                <a:solidFill>
+                  <a:schemeClr val="dk1"/>
+                </a:solidFill>
+              </a:rPr>
+              <a:t> et indiquez le nom de la EEZ du pays dans </a:t>
+            </a:r>
+            <a:r>
+              <a:rPr lang="fr-CA" dirty="0" err="1">
+                <a:solidFill>
+                  <a:schemeClr val="dk1"/>
+                </a:solidFill>
+              </a:rPr>
+              <a:t>DwC:location</a:t>
+            </a:r>
+            <a:r>
+              <a:rPr lang="fr-CA" dirty="0">
+                <a:solidFill>
+                  <a:schemeClr val="dk1"/>
+                </a:solidFill>
+              </a:rPr>
+              <a:t> et ajoutez l'ID provenant de </a:t>
+            </a:r>
+            <a:r>
+              <a:rPr lang="fr-CA" dirty="0" err="1">
+                <a:solidFill>
+                  <a:schemeClr val="dk1"/>
+                </a:solidFill>
+              </a:rPr>
+              <a:t>marineregions</a:t>
+            </a:r>
+            <a:r>
+              <a:rPr lang="fr-CA" dirty="0">
+                <a:solidFill>
+                  <a:schemeClr val="dk1"/>
+                </a:solidFill>
+              </a:rPr>
+              <a:t> (MRGID) dans </a:t>
+            </a:r>
+            <a:r>
+              <a:rPr lang="fr-CA" dirty="0" err="1">
+                <a:solidFill>
+                  <a:schemeClr val="dk1"/>
+                </a:solidFill>
+              </a:rPr>
+              <a:t>DwC:locationID</a:t>
+            </a:r>
+            <a:endParaRPr lang="fr-CA" dirty="0">
               <a:solidFill>
                 <a:schemeClr val="dk1"/>
               </a:solidFill>
@@ -15846,110 +15923,38 @@
               <a:buNone/>
             </a:pPr>
             <a:r>
-              <a:rPr lang="en">
-                <a:solidFill>
-                  <a:schemeClr val="dk1"/>
-                </a:solidFill>
-              </a:rPr>
-              <a:t>marineregions.org) in DwC:decimalLatitude, DwC:decimalLongitude and</a:t>
-            </a:r>
-            <a:endParaRPr>
-              <a:solidFill>
-                <a:schemeClr val="dk1"/>
-              </a:solidFill>
-            </a:endParaRPr>
-          </a:p>
-          <a:p>
-            <a:pPr marL="285750" marR="0" lvl="0" indent="-171450" algn="l" rtl="0">
-              <a:lnSpc>
-                <a:spcPct val="150000"/>
-              </a:lnSpc>
-              <a:spcBef>
-                <a:spcPts val="0"/>
-              </a:spcBef>
-              <a:spcAft>
-                <a:spcPts val="0"/>
-              </a:spcAft>
-              <a:buClr>
-                <a:schemeClr val="dk1"/>
-              </a:buClr>
-              <a:buSzPts val="1100"/>
-              <a:buFont typeface="Arial"/>
-              <a:buNone/>
-            </a:pPr>
-            <a:r>
-              <a:rPr lang="en">
-                <a:solidFill>
-                  <a:schemeClr val="dk1"/>
-                </a:solidFill>
-              </a:rPr>
-              <a:t>DwC:coordinateuncertaintyInMeters and provide the country EEZ name in</a:t>
-            </a:r>
-            <a:endParaRPr>
-              <a:solidFill>
-                <a:schemeClr val="dk1"/>
-              </a:solidFill>
-            </a:endParaRPr>
-          </a:p>
-          <a:p>
-            <a:pPr marL="285750" marR="0" lvl="0" indent="-171450" algn="l" rtl="0">
-              <a:lnSpc>
-                <a:spcPct val="150000"/>
-              </a:lnSpc>
-              <a:spcBef>
-                <a:spcPts val="0"/>
-              </a:spcBef>
-              <a:spcAft>
-                <a:spcPts val="0"/>
-              </a:spcAft>
-              <a:buClr>
-                <a:schemeClr val="dk1"/>
-              </a:buClr>
-              <a:buSzPts val="1100"/>
-              <a:buFont typeface="Arial"/>
-              <a:buNone/>
-            </a:pPr>
-            <a:r>
-              <a:rPr lang="en">
-                <a:solidFill>
-                  <a:schemeClr val="dk1"/>
-                </a:solidFill>
-              </a:rPr>
-              <a:t>DwC:location and add the marineregions ID (MRGID) in DwC:locationID</a:t>
-            </a:r>
-            <a:endParaRPr>
-              <a:solidFill>
-                <a:schemeClr val="dk1"/>
-              </a:solidFill>
-            </a:endParaRPr>
-          </a:p>
-          <a:p>
-            <a:pPr marL="285750" marR="0" lvl="0" indent="-171450" algn="l" rtl="0">
-              <a:lnSpc>
-                <a:spcPct val="150000"/>
-              </a:lnSpc>
-              <a:spcBef>
-                <a:spcPts val="0"/>
-              </a:spcBef>
-              <a:spcAft>
-                <a:spcPts val="0"/>
-              </a:spcAft>
-              <a:buClr>
-                <a:schemeClr val="dk1"/>
-              </a:buClr>
-              <a:buSzPts val="1100"/>
-              <a:buFont typeface="Arial"/>
-              <a:buNone/>
-            </a:pPr>
-            <a:r>
-              <a:rPr lang="en">
-                <a:solidFill>
-                  <a:schemeClr val="dk1"/>
-                </a:solidFill>
-              </a:rPr>
-              <a:t>d. Add the ISO country code in DwC:country. OBIS automatically adds the coordinates</a:t>
-            </a:r>
-            <a:endParaRPr>
+              <a:rPr lang="en" dirty="0">
+                <a:solidFill>
+                  <a:schemeClr val="dk1"/>
+                </a:solidFill>
+              </a:rPr>
+              <a:t>d. </a:t>
+            </a:r>
+            <a:r>
+              <a:rPr lang="fr-CA" dirty="0">
+                <a:solidFill>
+                  <a:schemeClr val="dk1"/>
+                </a:solidFill>
+              </a:rPr>
+              <a:t>Ajoutez le code de pays ISO dans </a:t>
+            </a:r>
+            <a:r>
+              <a:rPr lang="fr-CA" dirty="0" err="1">
+                <a:solidFill>
+                  <a:schemeClr val="dk1"/>
+                </a:solidFill>
+              </a:rPr>
+              <a:t>DwC:country</a:t>
+            </a:r>
+            <a:r>
+              <a:rPr lang="fr-CA" dirty="0">
+                <a:solidFill>
+                  <a:schemeClr val="dk1"/>
+                </a:solidFill>
+              </a:rPr>
+              <a:t>. OBIS ajoute automatiquement les coordonnées</a:t>
+            </a:r>
+            <a:endParaRPr dirty="0">
               <a:solidFill>
                 <a:schemeClr val="dk1"/>
               </a:solidFill>
@@ -16346,14 +16351,22 @@
               <a:buNone/>
             </a:pPr>
             <a:r>
-              <a:rPr lang="en">
-                <a:solidFill>
-                  <a:schemeClr val="dk1"/>
-                </a:solidFill>
-              </a:rPr>
-              <a:t>Which dates and times are acceptable for OBIS? Multiple answers are possible.</a:t>
-            </a:r>
-            <a:endParaRPr>
+              <a:rPr lang="fr-CA" dirty="0">
+                <a:solidFill>
+                  <a:schemeClr val="dk1"/>
+                </a:solidFill>
+              </a:rPr>
+              <a:t>Quelles dates et heures sont acceptées pour OBIS? Plusieurs réponses sont possibles</a:t>
+            </a:r>
+            <a:r>
+              <a:rPr lang="en" dirty="0">
+                <a:solidFill>
+                  <a:schemeClr val="dk1"/>
+                </a:solidFill>
+              </a:rPr>
+              <a:t>.</a:t>
+            </a:r>
+            <a:endParaRPr dirty="0">
               <a:solidFill>
                 <a:schemeClr val="dk1"/>
               </a:solidFill>
@@ -16378,14 +16391,14 @@
               <a:buNone/>
             </a:pPr>
             <a:r>
-              <a:rPr lang="en">
-                <a:solidFill>
-                  <a:schemeClr val="dk1"/>
-                </a:solidFill>
-              </a:rPr>
-              <a:t>Select one or more:</a:t>
-            </a:r>
-            <a:endParaRPr>
+              <a:rPr lang="en" dirty="0">
+                <a:solidFill>
+                  <a:schemeClr val="dk1"/>
+                </a:solidFill>
+              </a:rPr>
+              <a:t>Choisir une ou plusieurs réponses :</a:t>
+            </a:r>
+            <a:endParaRPr dirty="0">
               <a:solidFill>
                 <a:schemeClr val="dk1"/>
               </a:solidFill>
@@ -16410,14 +16423,14 @@
               <a:buNone/>
             </a:pPr>
             <a:r>
-              <a:rPr lang="en">
+              <a:rPr lang="en" dirty="0">
                 <a:solidFill>
                   <a:schemeClr val="dk1"/>
                 </a:solidFill>
               </a:rPr>
               <a:t>a. 2010</a:t>
             </a:r>
-            <a:endParaRPr>
+            <a:endParaRPr dirty="0">
               <a:solidFill>
                 <a:schemeClr val="dk1"/>
               </a:solidFill>
@@ -16442,14 +16455,14 @@
               <a:buNone/>
             </a:pPr>
             <a:r>
-              <a:rPr lang="en">
+              <a:rPr lang="en" dirty="0">
                 <a:solidFill>
                   <a:schemeClr val="dk1"/>
                 </a:solidFill>
               </a:rPr>
               <a:t>b. 2013-02-15/2023-02-20</a:t>
             </a:r>
-            <a:endParaRPr>
+            <a:endParaRPr dirty="0">
               <a:solidFill>
                 <a:schemeClr val="dk1"/>
               </a:solidFill>
@@ -16474,14 +16487,14 @@
               <a:buNone/>
             </a:pPr>
             <a:r>
-              <a:rPr lang="en">
+              <a:rPr lang="en" dirty="0">
                 <a:solidFill>
                   <a:schemeClr val="dk1"/>
                 </a:solidFill>
               </a:rPr>
               <a:t>c. 05-12-2010T10:08:35 </a:t>
             </a:r>
-            <a:endParaRPr>
+            <a:endParaRPr dirty="0">
               <a:solidFill>
                 <a:schemeClr val="dk1"/>
               </a:solidFill>
@@ -16506,14 +16519,14 @@
               <a:buNone/>
             </a:pPr>
             <a:r>
-              <a:rPr lang="en">
+              <a:rPr lang="en" dirty="0">
                 <a:solidFill>
                   <a:schemeClr val="dk1"/>
                 </a:solidFill>
               </a:rPr>
               <a:t>d. 2010-6-05</a:t>
             </a:r>
-            <a:endParaRPr>
+            <a:endParaRPr dirty="0">
               <a:solidFill>
                 <a:schemeClr val="dk1"/>
               </a:solidFill>
@@ -16538,14 +16551,14 @@
               <a:buNone/>
             </a:pPr>
             <a:r>
-              <a:rPr lang="en">
+              <a:rPr lang="en" dirty="0">
                 <a:solidFill>
                   <a:schemeClr val="dk1"/>
                 </a:solidFill>
               </a:rPr>
               <a:t>e. 2010-02</a:t>
             </a:r>
-            <a:endParaRPr>
+            <a:endParaRPr dirty="0">
               <a:solidFill>
                 <a:schemeClr val="dk1"/>
               </a:solidFill>
@@ -16942,18 +16955,141 @@
               <a:buNone/>
             </a:pPr>
             <a:r>
-              <a:rPr lang="en">
-                <a:solidFill>
-                  <a:schemeClr val="dk1"/>
-                </a:solidFill>
-              </a:rPr>
-              <a:t>The scientificNameID is a mandatory DwC term for OBIS. It represents a unique and</a:t>
-            </a:r>
-            <a:endParaRPr>
-              <a:solidFill>
-                <a:schemeClr val="dk1"/>
-              </a:solidFill>
-            </a:endParaRPr>
+              <a:rPr lang="fr-CA" dirty="0">
+                <a:solidFill>
+                  <a:schemeClr val="dk1"/>
+                </a:solidFill>
+              </a:rPr>
+              <a:t>Le </a:t>
+            </a:r>
+            <a:r>
+              <a:rPr lang="fr-CA" dirty="0" err="1">
+                <a:solidFill>
+                  <a:schemeClr val="dk1"/>
+                </a:solidFill>
+              </a:rPr>
+              <a:t>ScientificNameID</a:t>
+            </a:r>
+            <a:r>
+              <a:rPr lang="fr-CA" dirty="0">
+                <a:solidFill>
+                  <a:schemeClr val="dk1"/>
+                </a:solidFill>
+              </a:rPr>
+              <a:t> est un terme </a:t>
+            </a:r>
+            <a:r>
+              <a:rPr lang="fr-CA" dirty="0" err="1">
+                <a:solidFill>
+                  <a:schemeClr val="dk1"/>
+                </a:solidFill>
+              </a:rPr>
+              <a:t>DwC</a:t>
+            </a:r>
+            <a:r>
+              <a:rPr lang="fr-CA" dirty="0">
+                <a:solidFill>
+                  <a:schemeClr val="dk1"/>
+                </a:solidFill>
+              </a:rPr>
+              <a:t> obligatoire pour OBIS. Il représente un identifiant unique et persistant pour le nom du taxon. OBIS recommande d'utiliser l'identifiant (</a:t>
+            </a:r>
+            <a:r>
+              <a:rPr lang="fr-CA" dirty="0" err="1">
+                <a:solidFill>
+                  <a:schemeClr val="dk1"/>
+                </a:solidFill>
+              </a:rPr>
+              <a:t>LifeScience</a:t>
+            </a:r>
+            <a:r>
+              <a:rPr lang="fr-CA" dirty="0">
+                <a:solidFill>
+                  <a:schemeClr val="dk1"/>
+                </a:solidFill>
+              </a:rPr>
+              <a:t> Identifier (LSID)) du Registre mondial des espèces marines (</a:t>
+            </a:r>
+            <a:r>
+              <a:rPr lang="fr-CA" dirty="0" err="1">
+                <a:solidFill>
+                  <a:schemeClr val="dk1"/>
+                </a:solidFill>
+              </a:rPr>
+              <a:t>WoRMS</a:t>
+            </a:r>
+            <a:r>
+              <a:rPr lang="fr-CA" dirty="0">
+                <a:solidFill>
+                  <a:schemeClr val="dk1"/>
+                </a:solidFill>
+              </a:rPr>
+              <a:t>). Accédez à </a:t>
+            </a:r>
+            <a:r>
+              <a:rPr lang="fr-CA" dirty="0" err="1">
+                <a:solidFill>
+                  <a:schemeClr val="dk1"/>
+                </a:solidFill>
+              </a:rPr>
+              <a:t>WoRMS</a:t>
+            </a:r>
+            <a:r>
+              <a:rPr lang="fr-CA" dirty="0">
+                <a:solidFill>
+                  <a:schemeClr val="dk1"/>
+                </a:solidFill>
+              </a:rPr>
+              <a:t> et recherchez </a:t>
+            </a:r>
+            <a:r>
+              <a:rPr lang="fr-CA" dirty="0" err="1">
+                <a:solidFill>
+                  <a:schemeClr val="dk1"/>
+                </a:solidFill>
+              </a:rPr>
+              <a:t>Ascidia</a:t>
+            </a:r>
+            <a:r>
+              <a:rPr lang="fr-CA" dirty="0">
+                <a:solidFill>
+                  <a:schemeClr val="dk1"/>
+                </a:solidFill>
+              </a:rPr>
+              <a:t> </a:t>
+            </a:r>
+            <a:r>
+              <a:rPr lang="fr-CA" dirty="0" err="1">
+                <a:solidFill>
+                  <a:schemeClr val="dk1"/>
+                </a:solidFill>
+              </a:rPr>
+              <a:t>curvata</a:t>
+            </a:r>
+            <a:r>
+              <a:rPr lang="fr-CA" dirty="0">
+                <a:solidFill>
+                  <a:schemeClr val="dk1"/>
+                </a:solidFill>
+              </a:rPr>
+              <a:t>. Quel est le </a:t>
+            </a:r>
+            <a:r>
+              <a:rPr lang="fr-CA" dirty="0" err="1">
+                <a:solidFill>
+                  <a:schemeClr val="dk1"/>
+                </a:solidFill>
+              </a:rPr>
+              <a:t>ScientificNameID</a:t>
+            </a:r>
+            <a:r>
+              <a:rPr lang="fr-CA" dirty="0">
+                <a:solidFill>
+                  <a:schemeClr val="dk1"/>
+                </a:solidFill>
+              </a:rPr>
+              <a:t> de cette espèce?</a:t>
+            </a:r>
           </a:p>
           <a:p>
             <a:pPr marL="285750" marR="0" lvl="0" indent="-171450" algn="l" rtl="0">
@@ -16974,14 +17110,14 @@
               <a:buNone/>
             </a:pPr>
             <a:r>
-              <a:rPr lang="en">
-                <a:solidFill>
-                  <a:schemeClr val="dk1"/>
-                </a:solidFill>
-              </a:rPr>
-              <a:t>persistent identifier for the taxon name. OBIS recommends to use the LifeScience</a:t>
-            </a:r>
-            <a:endParaRPr>
+              <a:rPr lang="en" dirty="0">
+                <a:solidFill>
+                  <a:schemeClr val="dk1"/>
+                </a:solidFill>
+              </a:rPr>
+              <a:t>Choisir une réponse:</a:t>
+            </a:r>
+            <a:endParaRPr dirty="0">
               <a:solidFill>
                 <a:schemeClr val="dk1"/>
               </a:solidFill>
@@ -17006,14 +17142,14 @@
               <a:buNone/>
             </a:pPr>
             <a:r>
-              <a:rPr lang="en">
-                <a:solidFill>
-                  <a:schemeClr val="dk1"/>
-                </a:solidFill>
-              </a:rPr>
-              <a:t>Identifier (LSID) from the World Register of Marine Species (WoRMS). Go to WoRMS and</a:t>
-            </a:r>
-            <a:endParaRPr>
+              <a:rPr lang="en" dirty="0">
+                <a:solidFill>
+                  <a:schemeClr val="dk1"/>
+                </a:solidFill>
+              </a:rPr>
+              <a:t>a. urn:lsid:marinespecies.org:taxname:103483</a:t>
+            </a:r>
+            <a:endParaRPr dirty="0">
               <a:solidFill>
                 <a:schemeClr val="dk1"/>
               </a:solidFill>
@@ -17038,14 +17174,14 @@
               <a:buNone/>
             </a:pPr>
             <a:r>
-              <a:rPr lang="en">
-                <a:solidFill>
-                  <a:schemeClr val="dk1"/>
-                </a:solidFill>
-              </a:rPr>
-              <a:t>search for Ascidia curvata. What is the scientificNameID for this species?</a:t>
-            </a:r>
-            <a:endParaRPr>
+              <a:rPr lang="en" dirty="0">
+                <a:solidFill>
+                  <a:schemeClr val="dk1"/>
+                </a:solidFill>
+              </a:rPr>
+              <a:t>b. http://www.marinespecies.org/aphia.php?p=taxdetails&amp;id=249981</a:t>
+            </a:r>
+            <a:endParaRPr dirty="0">
               <a:solidFill>
                 <a:schemeClr val="dk1"/>
               </a:solidFill>
@@ -17070,14 +17206,14 @@
               <a:buNone/>
             </a:pPr>
             <a:r>
-              <a:rPr lang="en">
-                <a:solidFill>
-                  <a:schemeClr val="dk1"/>
-                </a:solidFill>
-              </a:rPr>
-              <a:t>Select one:</a:t>
-            </a:r>
-            <a:endParaRPr>
+              <a:rPr lang="en" dirty="0">
+                <a:solidFill>
+                  <a:schemeClr val="dk1"/>
+                </a:solidFill>
+              </a:rPr>
+              <a:t>c. ascidia_curvata_249981</a:t>
+            </a:r>
+            <a:endParaRPr dirty="0">
               <a:solidFill>
                 <a:schemeClr val="dk1"/>
               </a:solidFill>
@@ -17102,110 +17238,14 @@
               <a:buNone/>
             </a:pPr>
             <a:r>
-              <a:rPr lang="en">
-                <a:solidFill>
-                  <a:schemeClr val="dk1"/>
-                </a:solidFill>
-              </a:rPr>
-              <a:t>a. urn:lsid:marinespecies.org:taxname:103483</a:t>
-            </a:r>
-            <a:endParaRPr>
-              <a:solidFill>
-                <a:schemeClr val="dk1"/>
-              </a:solidFill>
-            </a:endParaRPr>
-          </a:p>
-          <a:p>
-            <a:pPr marL="285750" marR="0" lvl="0" indent="-171450" algn="l" rtl="0">
-              <a:lnSpc>
-                <a:spcPct val="150000"/>
-              </a:lnSpc>
-              <a:spcBef>
-                <a:spcPts val="0"/>
-              </a:spcBef>
-              <a:spcAft>
-                <a:spcPts val="0"/>
-              </a:spcAft>
-              <a:buClr>
-                <a:schemeClr val="dk1"/>
-              </a:buClr>
-              <a:buSzPts val="1100"/>
-              <a:buFont typeface="Arial"/>
-              <a:buNone/>
-            </a:pPr>
-            <a:r>
-              <a:rPr lang="en">
-                <a:solidFill>
-                  <a:schemeClr val="dk1"/>
-                </a:solidFill>
-              </a:rPr>
-              <a:t>b. http://www.marinespecies.org/aphia.php?p=taxdetails&amp;id=249981</a:t>
-            </a:r>
-            <a:endParaRPr>
-              <a:solidFill>
-                <a:schemeClr val="dk1"/>
-              </a:solidFill>
-            </a:endParaRPr>
-          </a:p>
-          <a:p>
-            <a:pPr marL="285750" marR="0" lvl="0" indent="-171450" algn="l" rtl="0">
-              <a:lnSpc>
-                <a:spcPct val="150000"/>
-              </a:lnSpc>
-              <a:spcBef>
-                <a:spcPts val="0"/>
-              </a:spcBef>
-              <a:spcAft>
-                <a:spcPts val="0"/>
-              </a:spcAft>
-              <a:buClr>
-                <a:schemeClr val="dk1"/>
-              </a:buClr>
-              <a:buSzPts val="1100"/>
-              <a:buFont typeface="Arial"/>
-              <a:buNone/>
-            </a:pPr>
-            <a:r>
-              <a:rPr lang="en">
-                <a:solidFill>
-                  <a:schemeClr val="dk1"/>
-                </a:solidFill>
-              </a:rPr>
-              <a:t>c. ascidia_curvata_249981</a:t>
-            </a:r>
-            <a:endParaRPr>
-              <a:solidFill>
-                <a:schemeClr val="dk1"/>
-              </a:solidFill>
-            </a:endParaRPr>
-          </a:p>
-          <a:p>
-            <a:pPr marL="285750" marR="0" lvl="0" indent="-171450" algn="l" rtl="0">
-              <a:lnSpc>
-                <a:spcPct val="150000"/>
-              </a:lnSpc>
-              <a:spcBef>
-                <a:spcPts val="0"/>
-              </a:spcBef>
-              <a:spcAft>
-                <a:spcPts val="0"/>
-              </a:spcAft>
-              <a:buClr>
-                <a:schemeClr val="dk1"/>
-              </a:buClr>
-              <a:buSzPts val="1100"/>
-              <a:buFont typeface="Arial"/>
-              <a:buNone/>
-            </a:pPr>
-            <a:r>
-              <a:rPr lang="en">
+              <a:rPr lang="en" dirty="0">
                 <a:solidFill>
                   <a:schemeClr val="dk1"/>
                 </a:solidFill>
               </a:rPr>
               <a:t>d. urn:lsid:marinespecies.org:taxname:249981</a:t>
             </a:r>
-            <a:endParaRPr>
+            <a:endParaRPr dirty="0">
               <a:solidFill>
                 <a:schemeClr val="dk1"/>
               </a:solidFill>
@@ -17602,18 +17642,93 @@
               <a:buNone/>
             </a:pPr>
             <a:r>
-              <a:rPr lang="en">
-                <a:solidFill>
-                  <a:schemeClr val="dk1"/>
-                </a:solidFill>
-              </a:rPr>
-              <a:t>When a scientificName is not in WoRMS, I can leave the scientificNameID blank, but</a:t>
-            </a:r>
-            <a:endParaRPr>
-              <a:solidFill>
-                <a:schemeClr val="dk1"/>
-              </a:solidFill>
-            </a:endParaRPr>
+              <a:rPr lang="fr-CA" dirty="0">
+                <a:solidFill>
+                  <a:schemeClr val="dk1"/>
+                </a:solidFill>
+              </a:rPr>
+              <a:t>Lorsqu'un </a:t>
+            </a:r>
+            <a:r>
+              <a:rPr lang="fr-CA" dirty="0" err="1">
+                <a:solidFill>
+                  <a:schemeClr val="dk1"/>
+                </a:solidFill>
+              </a:rPr>
+              <a:t>ScientificName</a:t>
+            </a:r>
+            <a:r>
+              <a:rPr lang="fr-CA" dirty="0">
+                <a:solidFill>
+                  <a:schemeClr val="dk1"/>
+                </a:solidFill>
+              </a:rPr>
+              <a:t> n'est pas dans </a:t>
+            </a:r>
+            <a:r>
+              <a:rPr lang="fr-CA" dirty="0" err="1">
+                <a:solidFill>
+                  <a:schemeClr val="dk1"/>
+                </a:solidFill>
+              </a:rPr>
+              <a:t>WoRMS</a:t>
+            </a:r>
+            <a:r>
+              <a:rPr lang="fr-CA" dirty="0">
+                <a:solidFill>
+                  <a:schemeClr val="dk1"/>
+                </a:solidFill>
+              </a:rPr>
+              <a:t>, je peux laisser le </a:t>
+            </a:r>
+            <a:r>
+              <a:rPr lang="fr-CA" dirty="0" err="1">
+                <a:solidFill>
+                  <a:schemeClr val="dk1"/>
+                </a:solidFill>
+              </a:rPr>
+              <a:t>ScientificNameID</a:t>
+            </a:r>
+            <a:r>
+              <a:rPr lang="fr-CA" dirty="0">
+                <a:solidFill>
+                  <a:schemeClr val="dk1"/>
+                </a:solidFill>
+              </a:rPr>
+              <a:t> vide, mais contacter l'équipe de gestion des données de </a:t>
+            </a:r>
+            <a:r>
+              <a:rPr lang="fr-CA" dirty="0" err="1">
+                <a:solidFill>
+                  <a:schemeClr val="dk1"/>
+                </a:solidFill>
+              </a:rPr>
+              <a:t>WoRMS</a:t>
+            </a:r>
+            <a:r>
+              <a:rPr lang="fr-CA" dirty="0">
+                <a:solidFill>
+                  <a:schemeClr val="dk1"/>
+                </a:solidFill>
+              </a:rPr>
+              <a:t> pour y faire ajouter le nom. J'ajouterai le </a:t>
+            </a:r>
+            <a:r>
+              <a:rPr lang="fr-CA" dirty="0" err="1">
+                <a:solidFill>
+                  <a:schemeClr val="dk1"/>
+                </a:solidFill>
+              </a:rPr>
+              <a:t>WoRMS</a:t>
+            </a:r>
+            <a:r>
+              <a:rPr lang="fr-CA" dirty="0">
+                <a:solidFill>
+                  <a:schemeClr val="dk1"/>
+                </a:solidFill>
+              </a:rPr>
+              <a:t> LSID dans la prochaine version de l'ensemble de données.</a:t>
+            </a:r>
           </a:p>
           <a:p>
             <a:pPr marL="285750" marR="0" lvl="0" indent="-171450" algn="l" rtl="0">
@@ -17634,14 +17749,14 @@
               <a:buNone/>
             </a:pPr>
             <a:r>
-              <a:rPr lang="en">
-                <a:solidFill>
-                  <a:schemeClr val="dk1"/>
-                </a:solidFill>
-              </a:rPr>
-              <a:t>contact the WoRMS data management team to add the name and I will add the WoRMS</a:t>
-            </a:r>
-            <a:endParaRPr>
+              <a:rPr lang="en" dirty="0">
+                <a:solidFill>
+                  <a:schemeClr val="dk1"/>
+                </a:solidFill>
+              </a:rPr>
+              <a:t>Choisir une réponse :</a:t>
+            </a:r>
+            <a:endParaRPr dirty="0">
               <a:solidFill>
                 <a:schemeClr val="dk1"/>
               </a:solidFill>
@@ -17666,14 +17781,14 @@
               <a:buNone/>
             </a:pPr>
             <a:r>
-              <a:rPr lang="en">
-                <a:solidFill>
-                  <a:schemeClr val="dk1"/>
-                </a:solidFill>
-              </a:rPr>
-              <a:t>LSID in the next dataset version.</a:t>
-            </a:r>
-            <a:endParaRPr>
+              <a:rPr lang="fr-CA" dirty="0">
+                <a:solidFill>
+                  <a:schemeClr val="dk1"/>
+                </a:solidFill>
+              </a:rPr>
+              <a:t>Vrai</a:t>
+            </a:r>
+            <a:endParaRPr dirty="0">
               <a:solidFill>
                 <a:schemeClr val="dk1"/>
               </a:solidFill>
@@ -17698,78 +17813,14 @@
               <a:buNone/>
             </a:pPr>
             <a:r>
-              <a:rPr lang="en">
-                <a:solidFill>
-                  <a:schemeClr val="dk1"/>
-                </a:solidFill>
-              </a:rPr>
-              <a:t>Select one:</a:t>
-            </a:r>
-            <a:endParaRPr>
-              <a:solidFill>
-                <a:schemeClr val="dk1"/>
-              </a:solidFill>
-            </a:endParaRPr>
-          </a:p>
-          <a:p>
-            <a:pPr marL="285750" marR="0" lvl="0" indent="-171450" algn="l" rtl="0">
-              <a:lnSpc>
-                <a:spcPct val="150000"/>
-              </a:lnSpc>
-              <a:spcBef>
-                <a:spcPts val="0"/>
-              </a:spcBef>
-              <a:spcAft>
-                <a:spcPts val="0"/>
-              </a:spcAft>
-              <a:buClr>
-                <a:schemeClr val="dk1"/>
-              </a:buClr>
-              <a:buSzPts val="1100"/>
-              <a:buFont typeface="Arial"/>
-              <a:buNone/>
-            </a:pPr>
-            <a:r>
-              <a:rPr lang="en">
-                <a:solidFill>
-                  <a:schemeClr val="dk1"/>
-                </a:solidFill>
-              </a:rPr>
-              <a:t>True</a:t>
-            </a:r>
-            <a:endParaRPr>
-              <a:solidFill>
-                <a:schemeClr val="dk1"/>
-              </a:solidFill>
-            </a:endParaRPr>
-          </a:p>
-          <a:p>
-            <a:pPr marL="285750" marR="0" lvl="0" indent="-171450" algn="l" rtl="0">
-              <a:lnSpc>
-                <a:spcPct val="150000"/>
-              </a:lnSpc>
-              <a:spcBef>
-                <a:spcPts val="0"/>
-              </a:spcBef>
-              <a:spcAft>
-                <a:spcPts val="0"/>
-              </a:spcAft>
-              <a:buClr>
-                <a:schemeClr val="dk1"/>
-              </a:buClr>
-              <a:buSzPts val="1100"/>
-              <a:buFont typeface="Arial"/>
-              <a:buNone/>
-            </a:pPr>
-            <a:r>
-              <a:rPr lang="en">
-                <a:solidFill>
-                  <a:schemeClr val="dk1"/>
-                </a:solidFill>
-              </a:rPr>
-              <a:t>False</a:t>
-            </a:r>
-            <a:endParaRPr>
+              <a:rPr lang="en" dirty="0">
+                <a:solidFill>
+                  <a:schemeClr val="dk1"/>
+                </a:solidFill>
+              </a:rPr>
+              <a:t>Faux</a:t>
+            </a:r>
+            <a:endParaRPr dirty="0">
               <a:solidFill>
                 <a:schemeClr val="dk1"/>
               </a:solidFill>
@@ -18166,18 +18217,13 @@
               <a:buNone/>
             </a:pPr>
             <a:r>
-              <a:rPr lang="en">
-                <a:solidFill>
-                  <a:schemeClr val="dk1"/>
-                </a:solidFill>
-              </a:rPr>
-              <a:t>My dataset contains bottom trawl transects, how can I publish this in OBIS?</a:t>
-            </a:r>
-            <a:endParaRPr>
-              <a:solidFill>
-                <a:schemeClr val="dk1"/>
-              </a:solidFill>
-            </a:endParaRPr>
+              <a:rPr lang="fr-CA" dirty="0">
+                <a:solidFill>
+                  <a:schemeClr val="dk1"/>
+                </a:solidFill>
+              </a:rPr>
+              <a:t>Mon jeu de données contient des transects de chalut de fond, comment puis-je le publier dans OBIS? </a:t>
+            </a:r>
           </a:p>
           <a:p>
             <a:pPr marL="285750" marR="0" lvl="0" indent="-171450" algn="l" rtl="0">
@@ -18198,21 +18244,21 @@
               <a:buNone/>
             </a:pPr>
             <a:r>
-              <a:rPr lang="en">
-                <a:solidFill>
-                  <a:schemeClr val="dk1"/>
-                </a:solidFill>
-              </a:rPr>
-              <a:t>Select one:</a:t>
-            </a:r>
-            <a:endParaRPr>
+              <a:rPr lang="fr-CA" dirty="0">
+                <a:solidFill>
+                  <a:schemeClr val="dk1"/>
+                </a:solidFill>
+              </a:rPr>
+              <a:t>Choisir une réponse :</a:t>
+            </a:r>
+            <a:endParaRPr dirty="0">
               <a:solidFill>
                 <a:schemeClr val="dk1"/>
               </a:solidFill>
             </a:endParaRPr>
           </a:p>
           <a:p>
-            <a:pPr marL="285750" marR="0" lvl="0" indent="-171450" algn="l" rtl="0">
+            <a:pPr marL="114300" marR="0" lvl="0" algn="l" rtl="0">
               <a:lnSpc>
                 <a:spcPct val="150000"/>
               </a:lnSpc>
@@ -18226,25 +18272,82 @@
                 <a:schemeClr val="dk1"/>
               </a:buClr>
               <a:buSzPts val="1100"/>
-              <a:buFont typeface="Arial"/>
-              <a:buNone/>
-            </a:pPr>
-            <a:r>
-              <a:rPr lang="en">
-                <a:solidFill>
-                  <a:schemeClr val="dk1"/>
-                </a:solidFill>
-              </a:rPr>
-              <a:t>a. Provide the coordinates as DwC:startdecimalLongitude and</a:t>
-            </a:r>
-            <a:endParaRPr>
-              <a:solidFill>
-                <a:schemeClr val="dk1"/>
-              </a:solidFill>
-            </a:endParaRPr>
-          </a:p>
-          <a:p>
-            <a:pPr marL="285750" marR="0" lvl="0" indent="-171450" algn="l" rtl="0">
+            </a:pPr>
+            <a:r>
+              <a:rPr lang="fr-CA" dirty="0">
+                <a:solidFill>
+                  <a:schemeClr val="dk1"/>
+                </a:solidFill>
+              </a:rPr>
+              <a:t>a. Fournissez les coordonnées suivantes </a:t>
+            </a:r>
+            <a:r>
+              <a:rPr lang="fr-CA" dirty="0" err="1">
+                <a:solidFill>
+                  <a:schemeClr val="dk1"/>
+                </a:solidFill>
+              </a:rPr>
+              <a:t>DwC:startdecimalLongitude</a:t>
+            </a:r>
+            <a:r>
+              <a:rPr lang="fr-CA" dirty="0">
+                <a:solidFill>
+                  <a:schemeClr val="dk1"/>
+                </a:solidFill>
+              </a:rPr>
+              <a:t> et </a:t>
+            </a:r>
+            <a:r>
+              <a:rPr lang="fr-CA" dirty="0" err="1">
+                <a:solidFill>
+                  <a:schemeClr val="dk1"/>
+                </a:solidFill>
+              </a:rPr>
+              <a:t>DwC:startdecimalLatitude</a:t>
+            </a:r>
+            <a:r>
+              <a:rPr lang="fr-CA" dirty="0">
+                <a:solidFill>
+                  <a:schemeClr val="dk1"/>
+                </a:solidFill>
+              </a:rPr>
+              <a:t> et </a:t>
+            </a:r>
+            <a:r>
+              <a:rPr lang="fr-CA" dirty="0" err="1">
+                <a:solidFill>
+                  <a:schemeClr val="dk1"/>
+                </a:solidFill>
+              </a:rPr>
+              <a:t>DwC:enddecimalLongitude</a:t>
+            </a:r>
+            <a:r>
+              <a:rPr lang="fr-CA" dirty="0">
+                <a:solidFill>
+                  <a:schemeClr val="dk1"/>
+                </a:solidFill>
+              </a:rPr>
+              <a:t> et </a:t>
+            </a:r>
+            <a:r>
+              <a:rPr lang="fr-CA" dirty="0" err="1">
+                <a:solidFill>
+                  <a:schemeClr val="dk1"/>
+                </a:solidFill>
+              </a:rPr>
+              <a:t>DwC:enddecimalLatitude</a:t>
+            </a:r>
+            <a:r>
+              <a:rPr lang="fr-CA" dirty="0">
+                <a:solidFill>
+                  <a:schemeClr val="dk1"/>
+                </a:solidFill>
+              </a:rPr>
+              <a:t>. </a:t>
+            </a:r>
+          </a:p>
+          <a:p>
+            <a:pPr marL="114300" marR="0" lvl="0" algn="l" rtl="0">
               <a:lnSpc>
                 <a:spcPct val="150000"/>
               </a:lnSpc>
@@ -18258,25 +18361,26 @@
                 <a:schemeClr val="dk1"/>
               </a:buClr>
               <a:buSzPts val="1100"/>
-              <a:buFont typeface="Arial"/>
-              <a:buNone/>
-            </a:pPr>
-            <a:r>
-              <a:rPr lang="en">
-                <a:solidFill>
-                  <a:schemeClr val="dk1"/>
-                </a:solidFill>
-              </a:rPr>
-              <a:t>DwC:startdecimalLatitude and DwC:enddecimalLongitude and</a:t>
-            </a:r>
-            <a:endParaRPr>
-              <a:solidFill>
-                <a:schemeClr val="dk1"/>
-              </a:solidFill>
-            </a:endParaRPr>
-          </a:p>
-          <a:p>
-            <a:pPr marL="285750" marR="0" lvl="0" indent="-171450" algn="l" rtl="0">
+            </a:pPr>
+            <a:r>
+              <a:rPr lang="en" dirty="0">
+                <a:solidFill>
+                  <a:schemeClr val="dk1"/>
+                </a:solidFill>
+              </a:rPr>
+              <a:t>b. </a:t>
+            </a:r>
+            <a:r>
+              <a:rPr lang="fr-CA" dirty="0">
+                <a:solidFill>
+                  <a:schemeClr val="dk1"/>
+                </a:solidFill>
+              </a:rPr>
+              <a:t>OBIS ne peut pas traiter les transects linéaires, uniquement les données ponctuelles. </a:t>
+            </a:r>
+          </a:p>
+          <a:p>
+            <a:pPr marL="114300" marR="0" lvl="0" algn="l" rtl="0">
               <a:lnSpc>
                 <a:spcPct val="150000"/>
               </a:lnSpc>
@@ -18290,25 +18394,42 @@
                 <a:schemeClr val="dk1"/>
               </a:buClr>
               <a:buSzPts val="1100"/>
-              <a:buFont typeface="Arial"/>
-              <a:buNone/>
-            </a:pPr>
-            <a:r>
-              <a:rPr lang="en">
-                <a:solidFill>
-                  <a:schemeClr val="dk1"/>
-                </a:solidFill>
-              </a:rPr>
-              <a:t>DwC:enddecimalLatitude.</a:t>
-            </a:r>
-            <a:endParaRPr>
-              <a:solidFill>
-                <a:schemeClr val="dk1"/>
-              </a:solidFill>
-            </a:endParaRPr>
-          </a:p>
-          <a:p>
-            <a:pPr marL="285750" marR="0" lvl="0" indent="-171450" algn="l" rtl="0">
+            </a:pPr>
+            <a:r>
+              <a:rPr lang="en" dirty="0">
+                <a:solidFill>
+                  <a:schemeClr val="dk1"/>
+                </a:solidFill>
+              </a:rPr>
+              <a:t>c. </a:t>
+            </a:r>
+            <a:r>
+              <a:rPr lang="fr-CA" dirty="0">
+                <a:solidFill>
+                  <a:schemeClr val="dk1"/>
+                </a:solidFill>
+              </a:rPr>
+              <a:t>Fournissez le transect en tant que </a:t>
+            </a:r>
+            <a:r>
+              <a:rPr lang="fr-CA" dirty="0" err="1">
+                <a:solidFill>
+                  <a:schemeClr val="dk1"/>
+                </a:solidFill>
+              </a:rPr>
+              <a:t>DwC:footprintWKT</a:t>
+            </a:r>
+            <a:r>
+              <a:rPr lang="fr-CA" dirty="0">
+                <a:solidFill>
+                  <a:schemeClr val="dk1"/>
+                </a:solidFill>
+              </a:rPr>
+              <a:t>. </a:t>
+            </a:r>
+          </a:p>
+          <a:p>
+            <a:pPr marL="114300" marR="0" lvl="0" algn="l" rtl="0">
               <a:lnSpc>
                 <a:spcPct val="150000"/>
               </a:lnSpc>
@@ -18322,146 +18443,88 @@
                 <a:schemeClr val="dk1"/>
               </a:buClr>
               <a:buSzPts val="1100"/>
-              <a:buFont typeface="Arial"/>
-              <a:buNone/>
-            </a:pPr>
-            <a:r>
-              <a:rPr lang="en">
-                <a:solidFill>
-                  <a:schemeClr val="dk1"/>
-                </a:solidFill>
-              </a:rPr>
-              <a:t>b. OBIS cannot deal with line transects, only point data</a:t>
-            </a:r>
-            <a:endParaRPr>
-              <a:solidFill>
-                <a:schemeClr val="dk1"/>
-              </a:solidFill>
-            </a:endParaRPr>
-          </a:p>
-          <a:p>
-            <a:pPr marL="285750" marR="0" lvl="0" indent="-171450" algn="l" rtl="0">
-              <a:lnSpc>
-                <a:spcPct val="150000"/>
-              </a:lnSpc>
-              <a:spcBef>
-                <a:spcPts val="0"/>
-              </a:spcBef>
-              <a:spcAft>
-                <a:spcPts val="0"/>
-              </a:spcAft>
-              <a:buClr>
-                <a:schemeClr val="dk1"/>
-              </a:buClr>
-              <a:buSzPts val="1100"/>
-              <a:buFont typeface="Arial"/>
-              <a:buNone/>
-            </a:pPr>
-            <a:r>
-              <a:rPr lang="en">
-                <a:solidFill>
-                  <a:schemeClr val="dk1"/>
-                </a:solidFill>
-              </a:rPr>
-              <a:t>c. Provide the line transect as DwC:footprintWKT.</a:t>
-            </a:r>
-            <a:endParaRPr>
-              <a:solidFill>
-                <a:schemeClr val="dk1"/>
-              </a:solidFill>
-            </a:endParaRPr>
-          </a:p>
-          <a:p>
-            <a:pPr marL="285750" marR="0" lvl="0" indent="-171450" algn="l" rtl="0">
-              <a:lnSpc>
-                <a:spcPct val="150000"/>
-              </a:lnSpc>
-              <a:spcBef>
-                <a:spcPts val="0"/>
-              </a:spcBef>
-              <a:spcAft>
-                <a:spcPts val="0"/>
-              </a:spcAft>
-              <a:buClr>
-                <a:schemeClr val="dk1"/>
-              </a:buClr>
-              <a:buSzPts val="1100"/>
-              <a:buFont typeface="Arial"/>
-              <a:buNone/>
-            </a:pPr>
-            <a:r>
-              <a:rPr lang="en">
-                <a:solidFill>
-                  <a:schemeClr val="dk1"/>
-                </a:solidFill>
-              </a:rPr>
-              <a:t>d. Provide the midpoint in DwC:decimalLatitude and DwC:decimalLongitude</a:t>
-            </a:r>
-            <a:endParaRPr>
-              <a:solidFill>
-                <a:schemeClr val="dk1"/>
-              </a:solidFill>
-            </a:endParaRPr>
-          </a:p>
-          <a:p>
-            <a:pPr marL="285750" marR="0" lvl="0" indent="-171450" algn="l" rtl="0">
-              <a:lnSpc>
-                <a:spcPct val="150000"/>
-              </a:lnSpc>
-              <a:spcBef>
-                <a:spcPts val="0"/>
-              </a:spcBef>
-              <a:spcAft>
-                <a:spcPts val="0"/>
-              </a:spcAft>
-              <a:buClr>
-                <a:schemeClr val="dk1"/>
-              </a:buClr>
-              <a:buSzPts val="1100"/>
-              <a:buFont typeface="Arial"/>
-              <a:buNone/>
-            </a:pPr>
-            <a:r>
-              <a:rPr lang="en">
-                <a:solidFill>
-                  <a:schemeClr val="dk1"/>
-                </a:solidFill>
-              </a:rPr>
-              <a:t>and add the radius in DwC:coordinateuncertaintyInMeters. The line transect itself</a:t>
-            </a:r>
-            <a:endParaRPr>
-              <a:solidFill>
-                <a:schemeClr val="dk1"/>
-              </a:solidFill>
-            </a:endParaRPr>
-          </a:p>
-          <a:p>
-            <a:pPr marL="285750" marR="0" lvl="0" indent="-171450" algn="l" rtl="0">
-              <a:lnSpc>
-                <a:spcPct val="150000"/>
-              </a:lnSpc>
-              <a:spcBef>
-                <a:spcPts val="0"/>
-              </a:spcBef>
-              <a:spcAft>
-                <a:spcPts val="0"/>
-              </a:spcAft>
-              <a:buClr>
-                <a:schemeClr val="dk1"/>
-              </a:buClr>
-              <a:buSzPts val="1100"/>
-              <a:buFont typeface="Arial"/>
-              <a:buNone/>
-            </a:pPr>
-            <a:r>
-              <a:rPr lang="en">
-                <a:solidFill>
-                  <a:schemeClr val="dk1"/>
-                </a:solidFill>
-              </a:rPr>
-              <a:t>can be provided in DwC:footprintWKT.</a:t>
-            </a:r>
-            <a:endParaRPr>
+            </a:pPr>
+            <a:r>
+              <a:rPr lang="en" dirty="0">
+                <a:solidFill>
+                  <a:schemeClr val="dk1"/>
+                </a:solidFill>
+              </a:rPr>
+              <a:t>d. </a:t>
+            </a:r>
+            <a:r>
+              <a:rPr lang="fr-CA" dirty="0">
+                <a:solidFill>
+                  <a:schemeClr val="dk1"/>
+                </a:solidFill>
+              </a:rPr>
+              <a:t>Fournissez le point médian ici </a:t>
+            </a:r>
+            <a:r>
+              <a:rPr lang="fr-CA" dirty="0" err="1">
+                <a:solidFill>
+                  <a:schemeClr val="dk1"/>
+                </a:solidFill>
+              </a:rPr>
+              <a:t>DwC:decimalLatitude</a:t>
+            </a:r>
+            <a:r>
+              <a:rPr lang="fr-CA" dirty="0">
+                <a:solidFill>
+                  <a:schemeClr val="dk1"/>
+                </a:solidFill>
+              </a:rPr>
+              <a:t> et </a:t>
+            </a:r>
+            <a:r>
+              <a:rPr lang="fr-CA" dirty="0" err="1">
+                <a:solidFill>
+                  <a:schemeClr val="dk1"/>
+                </a:solidFill>
+              </a:rPr>
+              <a:t>DwC:decimalLongitude</a:t>
+            </a:r>
+            <a:r>
+              <a:rPr lang="fr-CA" dirty="0">
+                <a:solidFill>
+                  <a:schemeClr val="dk1"/>
+                </a:solidFill>
+              </a:rPr>
+              <a:t> et ajoutez le rayon dans </a:t>
+            </a:r>
+            <a:r>
+              <a:rPr lang="fr-CA" dirty="0" err="1">
+                <a:solidFill>
+                  <a:schemeClr val="dk1"/>
+                </a:solidFill>
+              </a:rPr>
+              <a:t>DwC:coordinateuncertaintyInMeters</a:t>
+            </a:r>
+            <a:r>
+              <a:rPr lang="fr-CA" dirty="0">
+                <a:solidFill>
+                  <a:schemeClr val="dk1"/>
+                </a:solidFill>
+              </a:rPr>
+              <a:t>. Le transect en lui-même peut être fourni ici </a:t>
+            </a:r>
+            <a:r>
+              <a:rPr lang="fr-CA" dirty="0" err="1">
+                <a:solidFill>
+                  <a:schemeClr val="dk1"/>
+                </a:solidFill>
+              </a:rPr>
+              <a:t>DwC:footprintWKT</a:t>
+            </a:r>
+            <a:r>
+              <a:rPr lang="fr-CA" dirty="0">
+                <a:solidFill>
+                  <a:schemeClr val="dk1"/>
+                </a:solidFill>
+              </a:rPr>
+              <a:t>.</a:t>
+            </a:r>
+            <a:endParaRPr dirty="0">
               <a:solidFill>
                 <a:schemeClr val="dk1"/>
               </a:solidFill>
@@ -18858,18 +18921,13 @@
               <a:buNone/>
             </a:pPr>
             <a:r>
-              <a:rPr lang="en">
-                <a:solidFill>
-                  <a:schemeClr val="dk1"/>
-                </a:solidFill>
-              </a:rPr>
-              <a:t>My dataset contains date ranges. How shall I publish this in OBIS?</a:t>
-            </a:r>
-            <a:endParaRPr>
-              <a:solidFill>
-                <a:schemeClr val="dk1"/>
-              </a:solidFill>
-            </a:endParaRPr>
+              <a:rPr lang="fr-CA" dirty="0">
+                <a:solidFill>
+                  <a:schemeClr val="dk1"/>
+                </a:solidFill>
+              </a:rPr>
+              <a:t>Mon ensemble de données contient des plages de dates. Comment publier ceci dans OBIS? </a:t>
+            </a:r>
           </a:p>
           <a:p>
             <a:pPr marL="285750" marR="0" lvl="0" indent="-171450" algn="l" rtl="0">
@@ -18890,21 +18948,21 @@
               <a:buNone/>
             </a:pPr>
             <a:r>
-              <a:rPr lang="en">
-                <a:solidFill>
-                  <a:schemeClr val="dk1"/>
-                </a:solidFill>
-              </a:rPr>
-              <a:t>Select one:</a:t>
-            </a:r>
-            <a:endParaRPr>
+              <a:rPr lang="en" dirty="0">
+                <a:solidFill>
+                  <a:schemeClr val="dk1"/>
+                </a:solidFill>
+              </a:rPr>
+              <a:t>Choisir une réponse :</a:t>
+            </a:r>
+            <a:endParaRPr dirty="0">
               <a:solidFill>
                 <a:schemeClr val="dk1"/>
               </a:solidFill>
             </a:endParaRPr>
           </a:p>
           <a:p>
-            <a:pPr marL="285750" marR="0" lvl="0" indent="-171450" algn="l" rtl="0">
+            <a:pPr marL="114300" marR="0" lvl="0" algn="l" rtl="0">
               <a:lnSpc>
                 <a:spcPct val="150000"/>
               </a:lnSpc>
@@ -18918,25 +18976,50 @@
                 <a:schemeClr val="dk1"/>
               </a:buClr>
               <a:buSzPts val="1100"/>
-              <a:buFont typeface="Arial"/>
-              <a:buNone/>
-            </a:pPr>
-            <a:r>
-              <a:rPr lang="en">
-                <a:solidFill>
-                  <a:schemeClr val="dk1"/>
-                </a:solidFill>
-              </a:rPr>
-              <a:t>a. Provide the dates as DwC:startEventDate and DwC:endEventDate</a:t>
-            </a:r>
-            <a:endParaRPr>
-              <a:solidFill>
-                <a:schemeClr val="dk1"/>
-              </a:solidFill>
-            </a:endParaRPr>
-          </a:p>
-          <a:p>
-            <a:pPr marL="285750" marR="0" lvl="0" indent="-171450" algn="l" rtl="0">
+            </a:pPr>
+            <a:r>
+              <a:rPr lang="fr-CA" dirty="0">
+                <a:solidFill>
+                  <a:schemeClr val="dk1"/>
+                </a:solidFill>
+              </a:rPr>
+              <a:t>a. Fournissez les dates comme </a:t>
+            </a:r>
+            <a:r>
+              <a:rPr lang="fr-CA" dirty="0" err="1">
+                <a:solidFill>
+                  <a:schemeClr val="dk1"/>
+                </a:solidFill>
+              </a:rPr>
+              <a:t>DwC:startEventDate</a:t>
+            </a:r>
+            <a:r>
+              <a:rPr lang="fr-CA" dirty="0">
+                <a:solidFill>
+                  <a:schemeClr val="dk1"/>
+                </a:solidFill>
+              </a:rPr>
+              <a:t> et </a:t>
+            </a:r>
+            <a:r>
+              <a:rPr lang="fr-CA" dirty="0" err="1">
+                <a:solidFill>
+                  <a:schemeClr val="dk1"/>
+                </a:solidFill>
+              </a:rPr>
+              <a:t>DwC:endEventDate</a:t>
+            </a:r>
+            <a:r>
+              <a:rPr lang="fr-CA" dirty="0">
+                <a:solidFill>
+                  <a:schemeClr val="dk1"/>
+                </a:solidFill>
+              </a:rPr>
+              <a:t>.</a:t>
+            </a:r>
+          </a:p>
+          <a:p>
+            <a:pPr marL="114300" marR="0" lvl="0" algn="l" rtl="0">
               <a:lnSpc>
                 <a:spcPct val="150000"/>
               </a:lnSpc>
@@ -18950,25 +19033,42 @@
                 <a:schemeClr val="dk1"/>
               </a:buClr>
               <a:buSzPts val="1100"/>
-              <a:buFont typeface="Arial"/>
-              <a:buNone/>
-            </a:pPr>
-            <a:r>
-              <a:rPr lang="en">
-                <a:solidFill>
-                  <a:schemeClr val="dk1"/>
-                </a:solidFill>
-              </a:rPr>
-              <a:t>b. Provide the start and end date in DwC:eventDate with a / separator.</a:t>
-            </a:r>
-            <a:endParaRPr>
-              <a:solidFill>
-                <a:schemeClr val="dk1"/>
-              </a:solidFill>
-            </a:endParaRPr>
-          </a:p>
-          <a:p>
-            <a:pPr marL="285750" marR="0" lvl="0" indent="-171450" algn="l" rtl="0">
+            </a:pPr>
+            <a:r>
+              <a:rPr lang="en" dirty="0">
+                <a:solidFill>
+                  <a:schemeClr val="dk1"/>
+                </a:solidFill>
+              </a:rPr>
+              <a:t>b. </a:t>
+            </a:r>
+            <a:r>
+              <a:rPr lang="fr-CA" dirty="0">
+                <a:solidFill>
+                  <a:schemeClr val="dk1"/>
+                </a:solidFill>
+              </a:rPr>
+              <a:t>Indiquez la date de début et de fin dans </a:t>
+            </a:r>
+            <a:r>
+              <a:rPr lang="fr-CA" dirty="0" err="1">
+                <a:solidFill>
+                  <a:schemeClr val="dk1"/>
+                </a:solidFill>
+              </a:rPr>
+              <a:t>DwC:eventDate</a:t>
+            </a:r>
+            <a:r>
+              <a:rPr lang="fr-CA" dirty="0">
+                <a:solidFill>
+                  <a:schemeClr val="dk1"/>
+                </a:solidFill>
+              </a:rPr>
+              <a:t> avec un / comme séparateur.</a:t>
+            </a:r>
+          </a:p>
+          <a:p>
+            <a:pPr marL="114300" marR="0" lvl="0" algn="l" rtl="0">
               <a:lnSpc>
                 <a:spcPct val="150000"/>
               </a:lnSpc>
@@ -18982,18 +19082,24 @@
                 <a:schemeClr val="dk1"/>
               </a:buClr>
               <a:buSzPts val="1100"/>
-              <a:buFont typeface="Arial"/>
-              <a:buNone/>
-            </a:pPr>
-            <a:r>
-              <a:rPr lang="en">
-                <a:solidFill>
-                  <a:schemeClr val="dk1"/>
-                </a:solidFill>
-              </a:rPr>
-              <a:t>c. Provide the mid-date.</a:t>
-            </a:r>
-            <a:endParaRPr>
+            </a:pPr>
+            <a:r>
+              <a:rPr lang="en" dirty="0">
+                <a:solidFill>
+                  <a:schemeClr val="dk1"/>
+                </a:solidFill>
+              </a:rPr>
+              <a:t>c. </a:t>
+            </a:r>
+            <a:r>
+              <a:rPr lang="fr-CA" dirty="0">
+                <a:solidFill>
+                  <a:schemeClr val="dk1"/>
+                </a:solidFill>
+              </a:rPr>
+              <a:t>Fournissez la date de milieu.</a:t>
+            </a:r>
+            <a:endParaRPr dirty="0">
               <a:solidFill>
                 <a:schemeClr val="dk1"/>
               </a:solidFill>
